--- a/figures/sphere_process.pptx
+++ b/figures/sphere_process.pptx
@@ -2,18 +2,18 @@
 <file path=ppt/presentation.xml><?xml version="1.0" encoding="utf-8"?>
 <p:presentation xmlns:a="http://schemas.openxmlformats.org/drawingml/2006/main" xmlns:r="http://schemas.openxmlformats.org/officeDocument/2006/relationships" xmlns:p="http://schemas.openxmlformats.org/presentationml/2006/main" saveSubsetFonts="1" autoCompressPictures="0">
   <p:sldMasterIdLst>
-    <p:sldMasterId id="2147483648" r:id="rId1"/>
+    <p:sldMasterId id="2147483660" r:id="rId1"/>
   </p:sldMasterIdLst>
   <p:sldIdLst>
     <p:sldId id="256" r:id="rId2"/>
   </p:sldIdLst>
-  <p:sldSz cx="12192000" cy="6858000"/>
+  <p:sldSz cx="12192000" cy="10817225"/>
   <p:notesSz cx="6858000" cy="9144000"/>
   <p:defaultTextStyle>
     <a:defPPr>
-      <a:defRPr lang="zh-CN"/>
+      <a:defRPr lang="en-US"/>
     </a:defPPr>
-    <a:lvl1pPr marL="0" algn="l" defTabSz="914400" rtl="0" eaLnBrk="1" latinLnBrk="0" hangingPunct="1">
+    <a:lvl1pPr marL="0" algn="l" defTabSz="457200" rtl="0" eaLnBrk="1" latinLnBrk="0" hangingPunct="1">
       <a:defRPr sz="1800" kern="1200">
         <a:solidFill>
           <a:schemeClr val="tx1"/>
@@ -23,7 +23,7 @@
         <a:cs typeface="+mn-cs"/>
       </a:defRPr>
     </a:lvl1pPr>
-    <a:lvl2pPr marL="457200" algn="l" defTabSz="914400" rtl="0" eaLnBrk="1" latinLnBrk="0" hangingPunct="1">
+    <a:lvl2pPr marL="457200" algn="l" defTabSz="457200" rtl="0" eaLnBrk="1" latinLnBrk="0" hangingPunct="1">
       <a:defRPr sz="1800" kern="1200">
         <a:solidFill>
           <a:schemeClr val="tx1"/>
@@ -33,7 +33,7 @@
         <a:cs typeface="+mn-cs"/>
       </a:defRPr>
     </a:lvl2pPr>
-    <a:lvl3pPr marL="914400" algn="l" defTabSz="914400" rtl="0" eaLnBrk="1" latinLnBrk="0" hangingPunct="1">
+    <a:lvl3pPr marL="914400" algn="l" defTabSz="457200" rtl="0" eaLnBrk="1" latinLnBrk="0" hangingPunct="1">
       <a:defRPr sz="1800" kern="1200">
         <a:solidFill>
           <a:schemeClr val="tx1"/>
@@ -43,7 +43,7 @@
         <a:cs typeface="+mn-cs"/>
       </a:defRPr>
     </a:lvl3pPr>
-    <a:lvl4pPr marL="1371600" algn="l" defTabSz="914400" rtl="0" eaLnBrk="1" latinLnBrk="0" hangingPunct="1">
+    <a:lvl4pPr marL="1371600" algn="l" defTabSz="457200" rtl="0" eaLnBrk="1" latinLnBrk="0" hangingPunct="1">
       <a:defRPr sz="1800" kern="1200">
         <a:solidFill>
           <a:schemeClr val="tx1"/>
@@ -53,7 +53,7 @@
         <a:cs typeface="+mn-cs"/>
       </a:defRPr>
     </a:lvl4pPr>
-    <a:lvl5pPr marL="1828800" algn="l" defTabSz="914400" rtl="0" eaLnBrk="1" latinLnBrk="0" hangingPunct="1">
+    <a:lvl5pPr marL="1828800" algn="l" defTabSz="457200" rtl="0" eaLnBrk="1" latinLnBrk="0" hangingPunct="1">
       <a:defRPr sz="1800" kern="1200">
         <a:solidFill>
           <a:schemeClr val="tx1"/>
@@ -63,7 +63,7 @@
         <a:cs typeface="+mn-cs"/>
       </a:defRPr>
     </a:lvl5pPr>
-    <a:lvl6pPr marL="2286000" algn="l" defTabSz="914400" rtl="0" eaLnBrk="1" latinLnBrk="0" hangingPunct="1">
+    <a:lvl6pPr marL="2286000" algn="l" defTabSz="457200" rtl="0" eaLnBrk="1" latinLnBrk="0" hangingPunct="1">
       <a:defRPr sz="1800" kern="1200">
         <a:solidFill>
           <a:schemeClr val="tx1"/>
@@ -73,7 +73,7 @@
         <a:cs typeface="+mn-cs"/>
       </a:defRPr>
     </a:lvl6pPr>
-    <a:lvl7pPr marL="2743200" algn="l" defTabSz="914400" rtl="0" eaLnBrk="1" latinLnBrk="0" hangingPunct="1">
+    <a:lvl7pPr marL="2743200" algn="l" defTabSz="457200" rtl="0" eaLnBrk="1" latinLnBrk="0" hangingPunct="1">
       <a:defRPr sz="1800" kern="1200">
         <a:solidFill>
           <a:schemeClr val="tx1"/>
@@ -83,7 +83,7 @@
         <a:cs typeface="+mn-cs"/>
       </a:defRPr>
     </a:lvl7pPr>
-    <a:lvl8pPr marL="3200400" algn="l" defTabSz="914400" rtl="0" eaLnBrk="1" latinLnBrk="0" hangingPunct="1">
+    <a:lvl8pPr marL="3200400" algn="l" defTabSz="457200" rtl="0" eaLnBrk="1" latinLnBrk="0" hangingPunct="1">
       <a:defRPr sz="1800" kern="1200">
         <a:solidFill>
           <a:schemeClr val="tx1"/>
@@ -93,7 +93,7 @@
         <a:cs typeface="+mn-cs"/>
       </a:defRPr>
     </a:lvl8pPr>
-    <a:lvl9pPr marL="3657600" algn="l" defTabSz="914400" rtl="0" eaLnBrk="1" latinLnBrk="0" hangingPunct="1">
+    <a:lvl9pPr marL="3657600" algn="l" defTabSz="457200" rtl="0" eaLnBrk="1" latinLnBrk="0" hangingPunct="1">
       <a:defRPr sz="1800" kern="1200">
         <a:solidFill>
           <a:schemeClr val="tx1"/>
@@ -104,6 +104,11 @@
       </a:defRPr>
     </a:lvl9pPr>
   </p:defaultTextStyle>
+  <p:extLst>
+    <p:ext uri="{EFAFB233-063F-42B5-8137-9DF3F51BA10A}">
+      <p15:sldGuideLst xmlns:p15="http://schemas.microsoft.com/office/powerpoint/2012/main"/>
+    </p:ext>
+  </p:extLst>
 </p:presentation>
 </file>
 
@@ -126,13 +131,7 @@
       </p:grpSpPr>
       <p:sp>
         <p:nvSpPr>
-          <p:cNvPr id="2" name="标题 1">
-            <a:extLst>
-              <a:ext uri="{FF2B5EF4-FFF2-40B4-BE49-F238E27FC236}">
-                <a16:creationId xmlns:a16="http://schemas.microsoft.com/office/drawing/2014/main" id="{2F678863-05B7-283E-0F4E-E5D0219B7FC5}"/>
-              </a:ext>
-            </a:extLst>
-          </p:cNvPr>
+          <p:cNvPr id="2" name="Title 1"/>
           <p:cNvSpPr>
             <a:spLocks noGrp="1"/>
           </p:cNvSpPr>
@@ -142,34 +141,29 @@
         </p:nvSpPr>
         <p:spPr>
           <a:xfrm>
-            <a:off x="1524000" y="1122363"/>
-            <a:ext cx="9144000" cy="2387600"/>
+            <a:off x="914400" y="1770322"/>
+            <a:ext cx="10363200" cy="3765997"/>
           </a:xfrm>
         </p:spPr>
         <p:txBody>
           <a:bodyPr anchor="b"/>
           <a:lstStyle>
             <a:lvl1pPr algn="ctr">
-              <a:defRPr sz="6000"/>
+              <a:defRPr sz="8001"/>
             </a:lvl1pPr>
           </a:lstStyle>
           <a:p>
             <a:r>
-              <a:rPr kumimoji="1" lang="zh-CN" altLang="en-US"/>
+              <a:rPr lang="zh-CN" altLang="en-US"/>
               <a:t>单击此处编辑母版标题样式</a:t>
             </a:r>
-          </a:p>
-        </p:txBody>
-      </p:sp>
-      <p:sp>
-        <p:nvSpPr>
-          <p:cNvPr id="3" name="副标题 2">
-            <a:extLst>
-              <a:ext uri="{FF2B5EF4-FFF2-40B4-BE49-F238E27FC236}">
-                <a16:creationId xmlns:a16="http://schemas.microsoft.com/office/drawing/2014/main" id="{4FFBFB96-A7D0-DC23-1C6D-97B3C1EB4BA3}"/>
-              </a:ext>
-            </a:extLst>
-          </p:cNvPr>
+            <a:endParaRPr lang="en-US" dirty="0"/>
+          </a:p>
+        </p:txBody>
+      </p:sp>
+      <p:sp>
+        <p:nvSpPr>
+          <p:cNvPr id="3" name="Subtitle 2"/>
           <p:cNvSpPr>
             <a:spLocks noGrp="1"/>
           </p:cNvSpPr>
@@ -179,8 +173,8 @@
         </p:nvSpPr>
         <p:spPr>
           <a:xfrm>
-            <a:off x="1524000" y="3602038"/>
-            <a:ext cx="9144000" cy="1655762"/>
+            <a:off x="1524000" y="5681549"/>
+            <a:ext cx="9144000" cy="2611657"/>
           </a:xfrm>
         </p:spPr>
         <p:txBody>
@@ -188,58 +182,53 @@
           <a:lstStyle>
             <a:lvl1pPr marL="0" indent="0" algn="ctr">
               <a:buNone/>
+              <a:defRPr sz="3200"/>
+            </a:lvl1pPr>
+            <a:lvl2pPr marL="609660" indent="0" algn="ctr">
+              <a:buNone/>
+              <a:defRPr sz="2667"/>
+            </a:lvl2pPr>
+            <a:lvl3pPr marL="1219318" indent="0" algn="ctr">
+              <a:buNone/>
               <a:defRPr sz="2400"/>
-            </a:lvl1pPr>
-            <a:lvl2pPr marL="457200" indent="0" algn="ctr">
-              <a:buNone/>
-              <a:defRPr sz="2000"/>
-            </a:lvl2pPr>
-            <a:lvl3pPr marL="914400" indent="0" algn="ctr">
-              <a:buNone/>
-              <a:defRPr sz="1800"/>
             </a:lvl3pPr>
-            <a:lvl4pPr marL="1371600" indent="0" algn="ctr">
-              <a:buNone/>
-              <a:defRPr sz="1600"/>
+            <a:lvl4pPr marL="1828976" indent="0" algn="ctr">
+              <a:buNone/>
+              <a:defRPr sz="2133"/>
             </a:lvl4pPr>
-            <a:lvl5pPr marL="1828800" indent="0" algn="ctr">
-              <a:buNone/>
-              <a:defRPr sz="1600"/>
+            <a:lvl5pPr marL="2438634" indent="0" algn="ctr">
+              <a:buNone/>
+              <a:defRPr sz="2133"/>
             </a:lvl5pPr>
-            <a:lvl6pPr marL="2286000" indent="0" algn="ctr">
-              <a:buNone/>
-              <a:defRPr sz="1600"/>
+            <a:lvl6pPr marL="3048293" indent="0" algn="ctr">
+              <a:buNone/>
+              <a:defRPr sz="2133"/>
             </a:lvl6pPr>
-            <a:lvl7pPr marL="2743200" indent="0" algn="ctr">
-              <a:buNone/>
-              <a:defRPr sz="1600"/>
+            <a:lvl7pPr marL="3657950" indent="0" algn="ctr">
+              <a:buNone/>
+              <a:defRPr sz="2133"/>
             </a:lvl7pPr>
-            <a:lvl8pPr marL="3200400" indent="0" algn="ctr">
-              <a:buNone/>
-              <a:defRPr sz="1600"/>
+            <a:lvl8pPr marL="4267610" indent="0" algn="ctr">
+              <a:buNone/>
+              <a:defRPr sz="2133"/>
             </a:lvl8pPr>
-            <a:lvl9pPr marL="3657600" indent="0" algn="ctr">
-              <a:buNone/>
-              <a:defRPr sz="1600"/>
+            <a:lvl9pPr marL="4877268" indent="0" algn="ctr">
+              <a:buNone/>
+              <a:defRPr sz="2133"/>
             </a:lvl9pPr>
           </a:lstStyle>
           <a:p>
             <a:r>
-              <a:rPr kumimoji="1" lang="zh-CN" altLang="en-US"/>
+              <a:rPr lang="zh-CN" altLang="en-US"/>
               <a:t>单击此处编辑母版副标题样式</a:t>
             </a:r>
-          </a:p>
-        </p:txBody>
-      </p:sp>
-      <p:sp>
-        <p:nvSpPr>
-          <p:cNvPr id="4" name="日期占位符 3">
-            <a:extLst>
-              <a:ext uri="{FF2B5EF4-FFF2-40B4-BE49-F238E27FC236}">
-                <a16:creationId xmlns:a16="http://schemas.microsoft.com/office/drawing/2014/main" id="{51F7685A-FCB7-DDB7-12B5-F8BBED952B90}"/>
-              </a:ext>
-            </a:extLst>
-          </p:cNvPr>
+            <a:endParaRPr lang="en-US" dirty="0"/>
+          </a:p>
+        </p:txBody>
+      </p:sp>
+      <p:sp>
+        <p:nvSpPr>
+          <p:cNvPr id="4" name="Date Placeholder 3"/>
           <p:cNvSpPr>
             <a:spLocks noGrp="1"/>
           </p:cNvSpPr>
@@ -254,7 +243,7 @@
           <a:p>
             <a:fld id="{536F080D-0ECA-3942-B61E-D2ADCC91C531}" type="datetimeFigureOut">
               <a:rPr kumimoji="1" lang="zh-CN" altLang="en-US" smtClean="0"/>
-              <a:t>2023/8/29</a:t>
+              <a:t>2023/9/6</a:t>
             </a:fld>
             <a:endParaRPr kumimoji="1" lang="zh-CN" altLang="en-US"/>
           </a:p>
@@ -262,13 +251,7 @@
       </p:sp>
       <p:sp>
         <p:nvSpPr>
-          <p:cNvPr id="5" name="页脚占位符 4">
-            <a:extLst>
-              <a:ext uri="{FF2B5EF4-FFF2-40B4-BE49-F238E27FC236}">
-                <a16:creationId xmlns:a16="http://schemas.microsoft.com/office/drawing/2014/main" id="{20F22D2F-AA23-50AE-9000-F4194B160250}"/>
-              </a:ext>
-            </a:extLst>
-          </p:cNvPr>
+          <p:cNvPr id="5" name="Footer Placeholder 4"/>
           <p:cNvSpPr>
             <a:spLocks noGrp="1"/>
           </p:cNvSpPr>
@@ -287,13 +270,7 @@
       </p:sp>
       <p:sp>
         <p:nvSpPr>
-          <p:cNvPr id="6" name="灯片编号占位符 5">
-            <a:extLst>
-              <a:ext uri="{FF2B5EF4-FFF2-40B4-BE49-F238E27FC236}">
-                <a16:creationId xmlns:a16="http://schemas.microsoft.com/office/drawing/2014/main" id="{A0B4DBF7-FE49-95B0-31D3-6A72300F59BB}"/>
-              </a:ext>
-            </a:extLst>
-          </p:cNvPr>
+          <p:cNvPr id="6" name="Slide Number Placeholder 5"/>
           <p:cNvSpPr>
             <a:spLocks noGrp="1"/>
           </p:cNvSpPr>
@@ -317,7 +294,7 @@
     </p:spTree>
     <p:extLst>
       <p:ext uri="{BB962C8B-B14F-4D97-AF65-F5344CB8AC3E}">
-        <p14:creationId xmlns:p14="http://schemas.microsoft.com/office/powerpoint/2010/main" val="1937543460"/>
+        <p14:creationId xmlns:p14="http://schemas.microsoft.com/office/powerpoint/2010/main" val="3011178349"/>
       </p:ext>
     </p:extLst>
   </p:cSld>
@@ -346,13 +323,7 @@
       </p:grpSpPr>
       <p:sp>
         <p:nvSpPr>
-          <p:cNvPr id="2" name="标题 1">
-            <a:extLst>
-              <a:ext uri="{FF2B5EF4-FFF2-40B4-BE49-F238E27FC236}">
-                <a16:creationId xmlns:a16="http://schemas.microsoft.com/office/drawing/2014/main" id="{867EEFA8-CEC9-DDEC-8392-443692CB904F}"/>
-              </a:ext>
-            </a:extLst>
-          </p:cNvPr>
+          <p:cNvPr id="2" name="Title 1"/>
           <p:cNvSpPr>
             <a:spLocks noGrp="1"/>
           </p:cNvSpPr>
@@ -366,21 +337,16 @@
           <a:lstStyle/>
           <a:p>
             <a:r>
-              <a:rPr kumimoji="1" lang="zh-CN" altLang="en-US"/>
+              <a:rPr lang="zh-CN" altLang="en-US"/>
               <a:t>单击此处编辑母版标题样式</a:t>
             </a:r>
-          </a:p>
-        </p:txBody>
-      </p:sp>
-      <p:sp>
-        <p:nvSpPr>
-          <p:cNvPr id="3" name="竖排文字占位符 2">
-            <a:extLst>
-              <a:ext uri="{FF2B5EF4-FFF2-40B4-BE49-F238E27FC236}">
-                <a16:creationId xmlns:a16="http://schemas.microsoft.com/office/drawing/2014/main" id="{E4840F63-2DE5-1A7A-AACD-864FE69E64B5}"/>
-              </a:ext>
-            </a:extLst>
-          </p:cNvPr>
+            <a:endParaRPr lang="en-US" dirty="0"/>
+          </a:p>
+        </p:txBody>
+      </p:sp>
+      <p:sp>
+        <p:nvSpPr>
+          <p:cNvPr id="3" name="Vertical Text Placeholder 2"/>
           <p:cNvSpPr>
             <a:spLocks noGrp="1"/>
           </p:cNvSpPr>
@@ -395,49 +361,44 @@
           <a:p>
             <a:pPr lvl="0"/>
             <a:r>
-              <a:rPr kumimoji="1" lang="zh-CN" altLang="en-US"/>
+              <a:rPr lang="zh-CN" altLang="en-US"/>
               <a:t>单击此处编辑母版文本样式</a:t>
             </a:r>
           </a:p>
           <a:p>
             <a:pPr lvl="1"/>
             <a:r>
-              <a:rPr kumimoji="1" lang="zh-CN" altLang="en-US"/>
+              <a:rPr lang="zh-CN" altLang="en-US"/>
               <a:t>二级</a:t>
             </a:r>
           </a:p>
           <a:p>
             <a:pPr lvl="2"/>
             <a:r>
-              <a:rPr kumimoji="1" lang="zh-CN" altLang="en-US"/>
+              <a:rPr lang="zh-CN" altLang="en-US"/>
               <a:t>三级</a:t>
             </a:r>
           </a:p>
           <a:p>
             <a:pPr lvl="3"/>
             <a:r>
-              <a:rPr kumimoji="1" lang="zh-CN" altLang="en-US"/>
+              <a:rPr lang="zh-CN" altLang="en-US"/>
               <a:t>四级</a:t>
             </a:r>
           </a:p>
           <a:p>
             <a:pPr lvl="4"/>
             <a:r>
-              <a:rPr kumimoji="1" lang="zh-CN" altLang="en-US"/>
+              <a:rPr lang="zh-CN" altLang="en-US"/>
               <a:t>五级</a:t>
             </a:r>
-          </a:p>
-        </p:txBody>
-      </p:sp>
-      <p:sp>
-        <p:nvSpPr>
-          <p:cNvPr id="4" name="日期占位符 3">
-            <a:extLst>
-              <a:ext uri="{FF2B5EF4-FFF2-40B4-BE49-F238E27FC236}">
-                <a16:creationId xmlns:a16="http://schemas.microsoft.com/office/drawing/2014/main" id="{9A8604C0-11E0-A235-07D2-4406A85EB1D3}"/>
-              </a:ext>
-            </a:extLst>
-          </p:cNvPr>
+            <a:endParaRPr lang="en-US" dirty="0"/>
+          </a:p>
+        </p:txBody>
+      </p:sp>
+      <p:sp>
+        <p:nvSpPr>
+          <p:cNvPr id="4" name="Date Placeholder 3"/>
           <p:cNvSpPr>
             <a:spLocks noGrp="1"/>
           </p:cNvSpPr>
@@ -452,7 +413,7 @@
           <a:p>
             <a:fld id="{536F080D-0ECA-3942-B61E-D2ADCC91C531}" type="datetimeFigureOut">
               <a:rPr kumimoji="1" lang="zh-CN" altLang="en-US" smtClean="0"/>
-              <a:t>2023/8/29</a:t>
+              <a:t>2023/9/6</a:t>
             </a:fld>
             <a:endParaRPr kumimoji="1" lang="zh-CN" altLang="en-US"/>
           </a:p>
@@ -460,13 +421,7 @@
       </p:sp>
       <p:sp>
         <p:nvSpPr>
-          <p:cNvPr id="5" name="页脚占位符 4">
-            <a:extLst>
-              <a:ext uri="{FF2B5EF4-FFF2-40B4-BE49-F238E27FC236}">
-                <a16:creationId xmlns:a16="http://schemas.microsoft.com/office/drawing/2014/main" id="{72781697-E27D-3FA6-6185-6361714A3DB7}"/>
-              </a:ext>
-            </a:extLst>
-          </p:cNvPr>
+          <p:cNvPr id="5" name="Footer Placeholder 4"/>
           <p:cNvSpPr>
             <a:spLocks noGrp="1"/>
           </p:cNvSpPr>
@@ -485,13 +440,7 @@
       </p:sp>
       <p:sp>
         <p:nvSpPr>
-          <p:cNvPr id="6" name="灯片编号占位符 5">
-            <a:extLst>
-              <a:ext uri="{FF2B5EF4-FFF2-40B4-BE49-F238E27FC236}">
-                <a16:creationId xmlns:a16="http://schemas.microsoft.com/office/drawing/2014/main" id="{38DA0B55-5CCC-5C63-278F-AB20CE9EBA58}"/>
-              </a:ext>
-            </a:extLst>
-          </p:cNvPr>
+          <p:cNvPr id="6" name="Slide Number Placeholder 5"/>
           <p:cNvSpPr>
             <a:spLocks noGrp="1"/>
           </p:cNvSpPr>
@@ -515,7 +464,7 @@
     </p:spTree>
     <p:extLst>
       <p:ext uri="{BB962C8B-B14F-4D97-AF65-F5344CB8AC3E}">
-        <p14:creationId xmlns:p14="http://schemas.microsoft.com/office/powerpoint/2010/main" val="376230346"/>
+        <p14:creationId xmlns:p14="http://schemas.microsoft.com/office/powerpoint/2010/main" val="1477312386"/>
       </p:ext>
     </p:extLst>
   </p:cSld>
@@ -544,13 +493,7 @@
       </p:grpSpPr>
       <p:sp>
         <p:nvSpPr>
-          <p:cNvPr id="2" name="竖排标题 1">
-            <a:extLst>
-              <a:ext uri="{FF2B5EF4-FFF2-40B4-BE49-F238E27FC236}">
-                <a16:creationId xmlns:a16="http://schemas.microsoft.com/office/drawing/2014/main" id="{73BEE4FF-7B6E-48F1-2C31-47343138306C}"/>
-              </a:ext>
-            </a:extLst>
-          </p:cNvPr>
+          <p:cNvPr id="2" name="Vertical Title 1"/>
           <p:cNvSpPr>
             <a:spLocks noGrp="1"/>
           </p:cNvSpPr>
@@ -560,8 +503,8 @@
         </p:nvSpPr>
         <p:spPr>
           <a:xfrm>
-            <a:off x="8724900" y="365125"/>
-            <a:ext cx="2628900" cy="5811838"/>
+            <a:off x="8724901" y="575920"/>
+            <a:ext cx="2628900" cy="9167096"/>
           </a:xfrm>
         </p:spPr>
         <p:txBody>
@@ -569,21 +512,16 @@
           <a:lstStyle/>
           <a:p>
             <a:r>
-              <a:rPr kumimoji="1" lang="zh-CN" altLang="en-US"/>
+              <a:rPr lang="zh-CN" altLang="en-US"/>
               <a:t>单击此处编辑母版标题样式</a:t>
             </a:r>
-          </a:p>
-        </p:txBody>
-      </p:sp>
-      <p:sp>
-        <p:nvSpPr>
-          <p:cNvPr id="3" name="竖排文字占位符 2">
-            <a:extLst>
-              <a:ext uri="{FF2B5EF4-FFF2-40B4-BE49-F238E27FC236}">
-                <a16:creationId xmlns:a16="http://schemas.microsoft.com/office/drawing/2014/main" id="{D32E3A6C-26D9-CA69-B970-415982676455}"/>
-              </a:ext>
-            </a:extLst>
-          </p:cNvPr>
+            <a:endParaRPr lang="en-US" dirty="0"/>
+          </a:p>
+        </p:txBody>
+      </p:sp>
+      <p:sp>
+        <p:nvSpPr>
+          <p:cNvPr id="3" name="Vertical Text Placeholder 2"/>
           <p:cNvSpPr>
             <a:spLocks noGrp="1"/>
           </p:cNvSpPr>
@@ -593,8 +531,8 @@
         </p:nvSpPr>
         <p:spPr>
           <a:xfrm>
-            <a:off x="838200" y="365125"/>
-            <a:ext cx="7734300" cy="5811838"/>
+            <a:off x="838201" y="575920"/>
+            <a:ext cx="7734300" cy="9167096"/>
           </a:xfrm>
         </p:spPr>
         <p:txBody>
@@ -603,49 +541,44 @@
           <a:p>
             <a:pPr lvl="0"/>
             <a:r>
-              <a:rPr kumimoji="1" lang="zh-CN" altLang="en-US"/>
+              <a:rPr lang="zh-CN" altLang="en-US"/>
               <a:t>单击此处编辑母版文本样式</a:t>
             </a:r>
           </a:p>
           <a:p>
             <a:pPr lvl="1"/>
             <a:r>
-              <a:rPr kumimoji="1" lang="zh-CN" altLang="en-US"/>
+              <a:rPr lang="zh-CN" altLang="en-US"/>
               <a:t>二级</a:t>
             </a:r>
           </a:p>
           <a:p>
             <a:pPr lvl="2"/>
             <a:r>
-              <a:rPr kumimoji="1" lang="zh-CN" altLang="en-US"/>
+              <a:rPr lang="zh-CN" altLang="en-US"/>
               <a:t>三级</a:t>
             </a:r>
           </a:p>
           <a:p>
             <a:pPr lvl="3"/>
             <a:r>
-              <a:rPr kumimoji="1" lang="zh-CN" altLang="en-US"/>
+              <a:rPr lang="zh-CN" altLang="en-US"/>
               <a:t>四级</a:t>
             </a:r>
           </a:p>
           <a:p>
             <a:pPr lvl="4"/>
             <a:r>
-              <a:rPr kumimoji="1" lang="zh-CN" altLang="en-US"/>
+              <a:rPr lang="zh-CN" altLang="en-US"/>
               <a:t>五级</a:t>
             </a:r>
-          </a:p>
-        </p:txBody>
-      </p:sp>
-      <p:sp>
-        <p:nvSpPr>
-          <p:cNvPr id="4" name="日期占位符 3">
-            <a:extLst>
-              <a:ext uri="{FF2B5EF4-FFF2-40B4-BE49-F238E27FC236}">
-                <a16:creationId xmlns:a16="http://schemas.microsoft.com/office/drawing/2014/main" id="{400415EE-C229-56F0-3CB4-0DEBDEB9103D}"/>
-              </a:ext>
-            </a:extLst>
-          </p:cNvPr>
+            <a:endParaRPr lang="en-US" dirty="0"/>
+          </a:p>
+        </p:txBody>
+      </p:sp>
+      <p:sp>
+        <p:nvSpPr>
+          <p:cNvPr id="4" name="Date Placeholder 3"/>
           <p:cNvSpPr>
             <a:spLocks noGrp="1"/>
           </p:cNvSpPr>
@@ -660,7 +593,7 @@
           <a:p>
             <a:fld id="{536F080D-0ECA-3942-B61E-D2ADCC91C531}" type="datetimeFigureOut">
               <a:rPr kumimoji="1" lang="zh-CN" altLang="en-US" smtClean="0"/>
-              <a:t>2023/8/29</a:t>
+              <a:t>2023/9/6</a:t>
             </a:fld>
             <a:endParaRPr kumimoji="1" lang="zh-CN" altLang="en-US"/>
           </a:p>
@@ -668,13 +601,7 @@
       </p:sp>
       <p:sp>
         <p:nvSpPr>
-          <p:cNvPr id="5" name="页脚占位符 4">
-            <a:extLst>
-              <a:ext uri="{FF2B5EF4-FFF2-40B4-BE49-F238E27FC236}">
-                <a16:creationId xmlns:a16="http://schemas.microsoft.com/office/drawing/2014/main" id="{3E091530-647C-E308-DBFA-5F354943069C}"/>
-              </a:ext>
-            </a:extLst>
-          </p:cNvPr>
+          <p:cNvPr id="5" name="Footer Placeholder 4"/>
           <p:cNvSpPr>
             <a:spLocks noGrp="1"/>
           </p:cNvSpPr>
@@ -693,13 +620,7 @@
       </p:sp>
       <p:sp>
         <p:nvSpPr>
-          <p:cNvPr id="6" name="灯片编号占位符 5">
-            <a:extLst>
-              <a:ext uri="{FF2B5EF4-FFF2-40B4-BE49-F238E27FC236}">
-                <a16:creationId xmlns:a16="http://schemas.microsoft.com/office/drawing/2014/main" id="{3C4A94F8-6B4C-7A14-14BD-6E2ACF7662F4}"/>
-              </a:ext>
-            </a:extLst>
-          </p:cNvPr>
+          <p:cNvPr id="6" name="Slide Number Placeholder 5"/>
           <p:cNvSpPr>
             <a:spLocks noGrp="1"/>
           </p:cNvSpPr>
@@ -723,7 +644,7 @@
     </p:spTree>
     <p:extLst>
       <p:ext uri="{BB962C8B-B14F-4D97-AF65-F5344CB8AC3E}">
-        <p14:creationId xmlns:p14="http://schemas.microsoft.com/office/powerpoint/2010/main" val="360624473"/>
+        <p14:creationId xmlns:p14="http://schemas.microsoft.com/office/powerpoint/2010/main" val="3944550732"/>
       </p:ext>
     </p:extLst>
   </p:cSld>
@@ -752,13 +673,7 @@
       </p:grpSpPr>
       <p:sp>
         <p:nvSpPr>
-          <p:cNvPr id="2" name="标题 1">
-            <a:extLst>
-              <a:ext uri="{FF2B5EF4-FFF2-40B4-BE49-F238E27FC236}">
-                <a16:creationId xmlns:a16="http://schemas.microsoft.com/office/drawing/2014/main" id="{BD8DB004-E9C6-484D-6D85-CB2A7705BA1F}"/>
-              </a:ext>
-            </a:extLst>
-          </p:cNvPr>
+          <p:cNvPr id="2" name="Title 1"/>
           <p:cNvSpPr>
             <a:spLocks noGrp="1"/>
           </p:cNvSpPr>
@@ -772,21 +687,16 @@
           <a:lstStyle/>
           <a:p>
             <a:r>
-              <a:rPr kumimoji="1" lang="zh-CN" altLang="en-US"/>
+              <a:rPr lang="zh-CN" altLang="en-US"/>
               <a:t>单击此处编辑母版标题样式</a:t>
             </a:r>
-          </a:p>
-        </p:txBody>
-      </p:sp>
-      <p:sp>
-        <p:nvSpPr>
-          <p:cNvPr id="3" name="内容占位符 2">
-            <a:extLst>
-              <a:ext uri="{FF2B5EF4-FFF2-40B4-BE49-F238E27FC236}">
-                <a16:creationId xmlns:a16="http://schemas.microsoft.com/office/drawing/2014/main" id="{A146FA18-ABCD-26E6-6AAB-DEF15AC93524}"/>
-              </a:ext>
-            </a:extLst>
-          </p:cNvPr>
+            <a:endParaRPr lang="en-US" dirty="0"/>
+          </a:p>
+        </p:txBody>
+      </p:sp>
+      <p:sp>
+        <p:nvSpPr>
+          <p:cNvPr id="3" name="Content Placeholder 2"/>
           <p:cNvSpPr>
             <a:spLocks noGrp="1"/>
           </p:cNvSpPr>
@@ -801,49 +711,44 @@
           <a:p>
             <a:pPr lvl="0"/>
             <a:r>
-              <a:rPr kumimoji="1" lang="zh-CN" altLang="en-US"/>
+              <a:rPr lang="zh-CN" altLang="en-US"/>
               <a:t>单击此处编辑母版文本样式</a:t>
             </a:r>
           </a:p>
           <a:p>
             <a:pPr lvl="1"/>
             <a:r>
-              <a:rPr kumimoji="1" lang="zh-CN" altLang="en-US"/>
+              <a:rPr lang="zh-CN" altLang="en-US"/>
               <a:t>二级</a:t>
             </a:r>
           </a:p>
           <a:p>
             <a:pPr lvl="2"/>
             <a:r>
-              <a:rPr kumimoji="1" lang="zh-CN" altLang="en-US"/>
+              <a:rPr lang="zh-CN" altLang="en-US"/>
               <a:t>三级</a:t>
             </a:r>
           </a:p>
           <a:p>
             <a:pPr lvl="3"/>
             <a:r>
-              <a:rPr kumimoji="1" lang="zh-CN" altLang="en-US"/>
+              <a:rPr lang="zh-CN" altLang="en-US"/>
               <a:t>四级</a:t>
             </a:r>
           </a:p>
           <a:p>
             <a:pPr lvl="4"/>
             <a:r>
-              <a:rPr kumimoji="1" lang="zh-CN" altLang="en-US"/>
+              <a:rPr lang="zh-CN" altLang="en-US"/>
               <a:t>五级</a:t>
             </a:r>
-          </a:p>
-        </p:txBody>
-      </p:sp>
-      <p:sp>
-        <p:nvSpPr>
-          <p:cNvPr id="4" name="日期占位符 3">
-            <a:extLst>
-              <a:ext uri="{FF2B5EF4-FFF2-40B4-BE49-F238E27FC236}">
-                <a16:creationId xmlns:a16="http://schemas.microsoft.com/office/drawing/2014/main" id="{2A464FB4-ECB8-5463-E7D9-E2B69AA4309D}"/>
-              </a:ext>
-            </a:extLst>
-          </p:cNvPr>
+            <a:endParaRPr lang="en-US" dirty="0"/>
+          </a:p>
+        </p:txBody>
+      </p:sp>
+      <p:sp>
+        <p:nvSpPr>
+          <p:cNvPr id="4" name="Date Placeholder 3"/>
           <p:cNvSpPr>
             <a:spLocks noGrp="1"/>
           </p:cNvSpPr>
@@ -858,7 +763,7 @@
           <a:p>
             <a:fld id="{536F080D-0ECA-3942-B61E-D2ADCC91C531}" type="datetimeFigureOut">
               <a:rPr kumimoji="1" lang="zh-CN" altLang="en-US" smtClean="0"/>
-              <a:t>2023/8/29</a:t>
+              <a:t>2023/9/6</a:t>
             </a:fld>
             <a:endParaRPr kumimoji="1" lang="zh-CN" altLang="en-US"/>
           </a:p>
@@ -866,13 +771,7 @@
       </p:sp>
       <p:sp>
         <p:nvSpPr>
-          <p:cNvPr id="5" name="页脚占位符 4">
-            <a:extLst>
-              <a:ext uri="{FF2B5EF4-FFF2-40B4-BE49-F238E27FC236}">
-                <a16:creationId xmlns:a16="http://schemas.microsoft.com/office/drawing/2014/main" id="{A72E890E-F3B7-CAF6-583C-3F8B7A157858}"/>
-              </a:ext>
-            </a:extLst>
-          </p:cNvPr>
+          <p:cNvPr id="5" name="Footer Placeholder 4"/>
           <p:cNvSpPr>
             <a:spLocks noGrp="1"/>
           </p:cNvSpPr>
@@ -891,13 +790,7 @@
       </p:sp>
       <p:sp>
         <p:nvSpPr>
-          <p:cNvPr id="6" name="灯片编号占位符 5">
-            <a:extLst>
-              <a:ext uri="{FF2B5EF4-FFF2-40B4-BE49-F238E27FC236}">
-                <a16:creationId xmlns:a16="http://schemas.microsoft.com/office/drawing/2014/main" id="{B73A6646-E26D-7801-1DF1-C6BD075697C9}"/>
-              </a:ext>
-            </a:extLst>
-          </p:cNvPr>
+          <p:cNvPr id="6" name="Slide Number Placeholder 5"/>
           <p:cNvSpPr>
             <a:spLocks noGrp="1"/>
           </p:cNvSpPr>
@@ -921,7 +814,7 @@
     </p:spTree>
     <p:extLst>
       <p:ext uri="{BB962C8B-B14F-4D97-AF65-F5344CB8AC3E}">
-        <p14:creationId xmlns:p14="http://schemas.microsoft.com/office/powerpoint/2010/main" val="2775007794"/>
+        <p14:creationId xmlns:p14="http://schemas.microsoft.com/office/powerpoint/2010/main" val="1076535766"/>
       </p:ext>
     </p:extLst>
   </p:cSld>
@@ -950,13 +843,7 @@
       </p:grpSpPr>
       <p:sp>
         <p:nvSpPr>
-          <p:cNvPr id="2" name="标题 1">
-            <a:extLst>
-              <a:ext uri="{FF2B5EF4-FFF2-40B4-BE49-F238E27FC236}">
-                <a16:creationId xmlns:a16="http://schemas.microsoft.com/office/drawing/2014/main" id="{FA4796CF-F091-741F-1DA1-D6A7C719F63D}"/>
-              </a:ext>
-            </a:extLst>
-          </p:cNvPr>
+          <p:cNvPr id="2" name="Title 1"/>
           <p:cNvSpPr>
             <a:spLocks noGrp="1"/>
           </p:cNvSpPr>
@@ -966,34 +853,29 @@
         </p:nvSpPr>
         <p:spPr>
           <a:xfrm>
-            <a:off x="831850" y="1709738"/>
-            <a:ext cx="10515600" cy="2852737"/>
+            <a:off x="831851" y="2696799"/>
+            <a:ext cx="10515600" cy="4499664"/>
           </a:xfrm>
         </p:spPr>
         <p:txBody>
           <a:bodyPr anchor="b"/>
           <a:lstStyle>
             <a:lvl1pPr>
-              <a:defRPr sz="6000"/>
+              <a:defRPr sz="8001"/>
             </a:lvl1pPr>
           </a:lstStyle>
           <a:p>
             <a:r>
-              <a:rPr kumimoji="1" lang="zh-CN" altLang="en-US"/>
+              <a:rPr lang="zh-CN" altLang="en-US"/>
               <a:t>单击此处编辑母版标题样式</a:t>
             </a:r>
-          </a:p>
-        </p:txBody>
-      </p:sp>
-      <p:sp>
-        <p:nvSpPr>
-          <p:cNvPr id="3" name="文本占位符 2">
-            <a:extLst>
-              <a:ext uri="{FF2B5EF4-FFF2-40B4-BE49-F238E27FC236}">
-                <a16:creationId xmlns:a16="http://schemas.microsoft.com/office/drawing/2014/main" id="{D7AD6F58-5E3A-4216-C4BC-B16CF061296D}"/>
-              </a:ext>
-            </a:extLst>
-          </p:cNvPr>
+            <a:endParaRPr lang="en-US" dirty="0"/>
+          </a:p>
+        </p:txBody>
+      </p:sp>
+      <p:sp>
+        <p:nvSpPr>
+          <p:cNvPr id="3" name="Text Placeholder 2"/>
           <p:cNvSpPr>
             <a:spLocks noGrp="1"/>
           </p:cNvSpPr>
@@ -1003,14 +885,32 @@
         </p:nvSpPr>
         <p:spPr>
           <a:xfrm>
-            <a:off x="831850" y="4589463"/>
-            <a:ext cx="10515600" cy="1500187"/>
+            <a:off x="831851" y="7239032"/>
+            <a:ext cx="10515600" cy="2366267"/>
           </a:xfrm>
         </p:spPr>
         <p:txBody>
           <a:bodyPr/>
           <a:lstStyle>
             <a:lvl1pPr marL="0" indent="0">
+              <a:buNone/>
+              <a:defRPr sz="3200">
+                <a:solidFill>
+                  <a:schemeClr val="tx1"/>
+                </a:solidFill>
+              </a:defRPr>
+            </a:lvl1pPr>
+            <a:lvl2pPr marL="609660" indent="0">
+              <a:buNone/>
+              <a:defRPr sz="2667">
+                <a:solidFill>
+                  <a:schemeClr val="tx1">
+                    <a:tint val="75000"/>
+                  </a:schemeClr>
+                </a:solidFill>
+              </a:defRPr>
+            </a:lvl2pPr>
+            <a:lvl3pPr marL="1219318" indent="0">
               <a:buNone/>
               <a:defRPr sz="2400">
                 <a:solidFill>
@@ -1019,30 +919,10 @@
                   </a:schemeClr>
                 </a:solidFill>
               </a:defRPr>
-            </a:lvl1pPr>
-            <a:lvl2pPr marL="457200" indent="0">
-              <a:buNone/>
-              <a:defRPr sz="2000">
-                <a:solidFill>
-                  <a:schemeClr val="tx1">
-                    <a:tint val="75000"/>
-                  </a:schemeClr>
-                </a:solidFill>
-              </a:defRPr>
-            </a:lvl2pPr>
-            <a:lvl3pPr marL="914400" indent="0">
-              <a:buNone/>
-              <a:defRPr sz="1800">
-                <a:solidFill>
-                  <a:schemeClr val="tx1">
-                    <a:tint val="75000"/>
-                  </a:schemeClr>
-                </a:solidFill>
-              </a:defRPr>
             </a:lvl3pPr>
-            <a:lvl4pPr marL="1371600" indent="0">
-              <a:buNone/>
-              <a:defRPr sz="1600">
+            <a:lvl4pPr marL="1828976" indent="0">
+              <a:buNone/>
+              <a:defRPr sz="2133">
                 <a:solidFill>
                   <a:schemeClr val="tx1">
                     <a:tint val="75000"/>
@@ -1050,9 +930,9 @@
                 </a:solidFill>
               </a:defRPr>
             </a:lvl4pPr>
-            <a:lvl5pPr marL="1828800" indent="0">
-              <a:buNone/>
-              <a:defRPr sz="1600">
+            <a:lvl5pPr marL="2438634" indent="0">
+              <a:buNone/>
+              <a:defRPr sz="2133">
                 <a:solidFill>
                   <a:schemeClr val="tx1">
                     <a:tint val="75000"/>
@@ -1060,9 +940,9 @@
                 </a:solidFill>
               </a:defRPr>
             </a:lvl5pPr>
-            <a:lvl6pPr marL="2286000" indent="0">
-              <a:buNone/>
-              <a:defRPr sz="1600">
+            <a:lvl6pPr marL="3048293" indent="0">
+              <a:buNone/>
+              <a:defRPr sz="2133">
                 <a:solidFill>
                   <a:schemeClr val="tx1">
                     <a:tint val="75000"/>
@@ -1070,9 +950,9 @@
                 </a:solidFill>
               </a:defRPr>
             </a:lvl6pPr>
-            <a:lvl7pPr marL="2743200" indent="0">
-              <a:buNone/>
-              <a:defRPr sz="1600">
+            <a:lvl7pPr marL="3657950" indent="0">
+              <a:buNone/>
+              <a:defRPr sz="2133">
                 <a:solidFill>
                   <a:schemeClr val="tx1">
                     <a:tint val="75000"/>
@@ -1080,9 +960,9 @@
                 </a:solidFill>
               </a:defRPr>
             </a:lvl7pPr>
-            <a:lvl8pPr marL="3200400" indent="0">
-              <a:buNone/>
-              <a:defRPr sz="1600">
+            <a:lvl8pPr marL="4267610" indent="0">
+              <a:buNone/>
+              <a:defRPr sz="2133">
                 <a:solidFill>
                   <a:schemeClr val="tx1">
                     <a:tint val="75000"/>
@@ -1090,9 +970,9 @@
                 </a:solidFill>
               </a:defRPr>
             </a:lvl8pPr>
-            <a:lvl9pPr marL="3657600" indent="0">
-              <a:buNone/>
-              <a:defRPr sz="1600">
+            <a:lvl9pPr marL="4877268" indent="0">
+              <a:buNone/>
+              <a:defRPr sz="2133">
                 <a:solidFill>
                   <a:schemeClr val="tx1">
                     <a:tint val="75000"/>
@@ -1104,7 +984,7 @@
           <a:p>
             <a:pPr lvl="0"/>
             <a:r>
-              <a:rPr kumimoji="1" lang="zh-CN" altLang="en-US"/>
+              <a:rPr lang="zh-CN" altLang="en-US"/>
               <a:t>单击此处编辑母版文本样式</a:t>
             </a:r>
           </a:p>
@@ -1112,13 +992,7 @@
       </p:sp>
       <p:sp>
         <p:nvSpPr>
-          <p:cNvPr id="4" name="日期占位符 3">
-            <a:extLst>
-              <a:ext uri="{FF2B5EF4-FFF2-40B4-BE49-F238E27FC236}">
-                <a16:creationId xmlns:a16="http://schemas.microsoft.com/office/drawing/2014/main" id="{432DA866-5581-9646-6338-1CABC3A3C10F}"/>
-              </a:ext>
-            </a:extLst>
-          </p:cNvPr>
+          <p:cNvPr id="4" name="Date Placeholder 3"/>
           <p:cNvSpPr>
             <a:spLocks noGrp="1"/>
           </p:cNvSpPr>
@@ -1133,7 +1007,7 @@
           <a:p>
             <a:fld id="{536F080D-0ECA-3942-B61E-D2ADCC91C531}" type="datetimeFigureOut">
               <a:rPr kumimoji="1" lang="zh-CN" altLang="en-US" smtClean="0"/>
-              <a:t>2023/8/29</a:t>
+              <a:t>2023/9/6</a:t>
             </a:fld>
             <a:endParaRPr kumimoji="1" lang="zh-CN" altLang="en-US"/>
           </a:p>
@@ -1141,13 +1015,7 @@
       </p:sp>
       <p:sp>
         <p:nvSpPr>
-          <p:cNvPr id="5" name="页脚占位符 4">
-            <a:extLst>
-              <a:ext uri="{FF2B5EF4-FFF2-40B4-BE49-F238E27FC236}">
-                <a16:creationId xmlns:a16="http://schemas.microsoft.com/office/drawing/2014/main" id="{C2D8646F-0794-FCC5-CB61-84D7A553339D}"/>
-              </a:ext>
-            </a:extLst>
-          </p:cNvPr>
+          <p:cNvPr id="5" name="Footer Placeholder 4"/>
           <p:cNvSpPr>
             <a:spLocks noGrp="1"/>
           </p:cNvSpPr>
@@ -1166,13 +1034,7 @@
       </p:sp>
       <p:sp>
         <p:nvSpPr>
-          <p:cNvPr id="6" name="灯片编号占位符 5">
-            <a:extLst>
-              <a:ext uri="{FF2B5EF4-FFF2-40B4-BE49-F238E27FC236}">
-                <a16:creationId xmlns:a16="http://schemas.microsoft.com/office/drawing/2014/main" id="{4DC6BB9C-E0C7-0A35-1E9A-39A5B835A5CB}"/>
-              </a:ext>
-            </a:extLst>
-          </p:cNvPr>
+          <p:cNvPr id="6" name="Slide Number Placeholder 5"/>
           <p:cNvSpPr>
             <a:spLocks noGrp="1"/>
           </p:cNvSpPr>
@@ -1196,7 +1058,7 @@
     </p:spTree>
     <p:extLst>
       <p:ext uri="{BB962C8B-B14F-4D97-AF65-F5344CB8AC3E}">
-        <p14:creationId xmlns:p14="http://schemas.microsoft.com/office/powerpoint/2010/main" val="2481022373"/>
+        <p14:creationId xmlns:p14="http://schemas.microsoft.com/office/powerpoint/2010/main" val="325822923"/>
       </p:ext>
     </p:extLst>
   </p:cSld>
@@ -1225,13 +1087,7 @@
       </p:grpSpPr>
       <p:sp>
         <p:nvSpPr>
-          <p:cNvPr id="2" name="标题 1">
-            <a:extLst>
-              <a:ext uri="{FF2B5EF4-FFF2-40B4-BE49-F238E27FC236}">
-                <a16:creationId xmlns:a16="http://schemas.microsoft.com/office/drawing/2014/main" id="{83EE529B-34E5-F497-41E7-BC698C9CC2C6}"/>
-              </a:ext>
-            </a:extLst>
-          </p:cNvPr>
+          <p:cNvPr id="2" name="Title 1"/>
           <p:cNvSpPr>
             <a:spLocks noGrp="1"/>
           </p:cNvSpPr>
@@ -1245,21 +1101,16 @@
           <a:lstStyle/>
           <a:p>
             <a:r>
-              <a:rPr kumimoji="1" lang="zh-CN" altLang="en-US"/>
+              <a:rPr lang="zh-CN" altLang="en-US"/>
               <a:t>单击此处编辑母版标题样式</a:t>
             </a:r>
-          </a:p>
-        </p:txBody>
-      </p:sp>
-      <p:sp>
-        <p:nvSpPr>
-          <p:cNvPr id="3" name="内容占位符 2">
-            <a:extLst>
-              <a:ext uri="{FF2B5EF4-FFF2-40B4-BE49-F238E27FC236}">
-                <a16:creationId xmlns:a16="http://schemas.microsoft.com/office/drawing/2014/main" id="{B2288A91-1E7D-81EF-48DC-7E96F41FC1DD}"/>
-              </a:ext>
-            </a:extLst>
-          </p:cNvPr>
+            <a:endParaRPr lang="en-US" dirty="0"/>
+          </a:p>
+        </p:txBody>
+      </p:sp>
+      <p:sp>
+        <p:nvSpPr>
+          <p:cNvPr id="3" name="Content Placeholder 2"/>
           <p:cNvSpPr>
             <a:spLocks noGrp="1"/>
           </p:cNvSpPr>
@@ -1269,8 +1120,8 @@
         </p:nvSpPr>
         <p:spPr>
           <a:xfrm>
-            <a:off x="838200" y="1825625"/>
-            <a:ext cx="5181600" cy="4351338"/>
+            <a:off x="838200" y="2879585"/>
+            <a:ext cx="5181600" cy="6863431"/>
           </a:xfrm>
         </p:spPr>
         <p:txBody>
@@ -1279,49 +1130,44 @@
           <a:p>
             <a:pPr lvl="0"/>
             <a:r>
-              <a:rPr kumimoji="1" lang="zh-CN" altLang="en-US"/>
+              <a:rPr lang="zh-CN" altLang="en-US"/>
               <a:t>单击此处编辑母版文本样式</a:t>
             </a:r>
           </a:p>
           <a:p>
             <a:pPr lvl="1"/>
             <a:r>
-              <a:rPr kumimoji="1" lang="zh-CN" altLang="en-US"/>
+              <a:rPr lang="zh-CN" altLang="en-US"/>
               <a:t>二级</a:t>
             </a:r>
           </a:p>
           <a:p>
             <a:pPr lvl="2"/>
             <a:r>
-              <a:rPr kumimoji="1" lang="zh-CN" altLang="en-US"/>
+              <a:rPr lang="zh-CN" altLang="en-US"/>
               <a:t>三级</a:t>
             </a:r>
           </a:p>
           <a:p>
             <a:pPr lvl="3"/>
             <a:r>
-              <a:rPr kumimoji="1" lang="zh-CN" altLang="en-US"/>
+              <a:rPr lang="zh-CN" altLang="en-US"/>
               <a:t>四级</a:t>
             </a:r>
           </a:p>
           <a:p>
             <a:pPr lvl="4"/>
             <a:r>
-              <a:rPr kumimoji="1" lang="zh-CN" altLang="en-US"/>
+              <a:rPr lang="zh-CN" altLang="en-US"/>
               <a:t>五级</a:t>
             </a:r>
-          </a:p>
-        </p:txBody>
-      </p:sp>
-      <p:sp>
-        <p:nvSpPr>
-          <p:cNvPr id="4" name="内容占位符 3">
-            <a:extLst>
-              <a:ext uri="{FF2B5EF4-FFF2-40B4-BE49-F238E27FC236}">
-                <a16:creationId xmlns:a16="http://schemas.microsoft.com/office/drawing/2014/main" id="{98FB5570-062E-3B58-181A-B2C049796CDD}"/>
-              </a:ext>
-            </a:extLst>
-          </p:cNvPr>
+            <a:endParaRPr lang="en-US" dirty="0"/>
+          </a:p>
+        </p:txBody>
+      </p:sp>
+      <p:sp>
+        <p:nvSpPr>
+          <p:cNvPr id="4" name="Content Placeholder 3"/>
           <p:cNvSpPr>
             <a:spLocks noGrp="1"/>
           </p:cNvSpPr>
@@ -1331,8 +1177,8 @@
         </p:nvSpPr>
         <p:spPr>
           <a:xfrm>
-            <a:off x="6172200" y="1825625"/>
-            <a:ext cx="5181600" cy="4351338"/>
+            <a:off x="6172200" y="2879585"/>
+            <a:ext cx="5181600" cy="6863431"/>
           </a:xfrm>
         </p:spPr>
         <p:txBody>
@@ -1341,49 +1187,44 @@
           <a:p>
             <a:pPr lvl="0"/>
             <a:r>
-              <a:rPr kumimoji="1" lang="zh-CN" altLang="en-US"/>
+              <a:rPr lang="zh-CN" altLang="en-US"/>
               <a:t>单击此处编辑母版文本样式</a:t>
             </a:r>
           </a:p>
           <a:p>
             <a:pPr lvl="1"/>
             <a:r>
-              <a:rPr kumimoji="1" lang="zh-CN" altLang="en-US"/>
+              <a:rPr lang="zh-CN" altLang="en-US"/>
               <a:t>二级</a:t>
             </a:r>
           </a:p>
           <a:p>
             <a:pPr lvl="2"/>
             <a:r>
-              <a:rPr kumimoji="1" lang="zh-CN" altLang="en-US"/>
+              <a:rPr lang="zh-CN" altLang="en-US"/>
               <a:t>三级</a:t>
             </a:r>
           </a:p>
           <a:p>
             <a:pPr lvl="3"/>
             <a:r>
-              <a:rPr kumimoji="1" lang="zh-CN" altLang="en-US"/>
+              <a:rPr lang="zh-CN" altLang="en-US"/>
               <a:t>四级</a:t>
             </a:r>
           </a:p>
           <a:p>
             <a:pPr lvl="4"/>
             <a:r>
-              <a:rPr kumimoji="1" lang="zh-CN" altLang="en-US"/>
+              <a:rPr lang="zh-CN" altLang="en-US"/>
               <a:t>五级</a:t>
             </a:r>
-          </a:p>
-        </p:txBody>
-      </p:sp>
-      <p:sp>
-        <p:nvSpPr>
-          <p:cNvPr id="5" name="日期占位符 4">
-            <a:extLst>
-              <a:ext uri="{FF2B5EF4-FFF2-40B4-BE49-F238E27FC236}">
-                <a16:creationId xmlns:a16="http://schemas.microsoft.com/office/drawing/2014/main" id="{0920C1C4-7B53-4015-5BFF-79ACE0B9060C}"/>
-              </a:ext>
-            </a:extLst>
-          </p:cNvPr>
+            <a:endParaRPr lang="en-US" dirty="0"/>
+          </a:p>
+        </p:txBody>
+      </p:sp>
+      <p:sp>
+        <p:nvSpPr>
+          <p:cNvPr id="5" name="Date Placeholder 4"/>
           <p:cNvSpPr>
             <a:spLocks noGrp="1"/>
           </p:cNvSpPr>
@@ -1398,7 +1239,7 @@
           <a:p>
             <a:fld id="{536F080D-0ECA-3942-B61E-D2ADCC91C531}" type="datetimeFigureOut">
               <a:rPr kumimoji="1" lang="zh-CN" altLang="en-US" smtClean="0"/>
-              <a:t>2023/8/29</a:t>
+              <a:t>2023/9/6</a:t>
             </a:fld>
             <a:endParaRPr kumimoji="1" lang="zh-CN" altLang="en-US"/>
           </a:p>
@@ -1406,13 +1247,7 @@
       </p:sp>
       <p:sp>
         <p:nvSpPr>
-          <p:cNvPr id="6" name="页脚占位符 5">
-            <a:extLst>
-              <a:ext uri="{FF2B5EF4-FFF2-40B4-BE49-F238E27FC236}">
-                <a16:creationId xmlns:a16="http://schemas.microsoft.com/office/drawing/2014/main" id="{36B17D4B-526C-4366-D6A4-03D9BD71EB97}"/>
-              </a:ext>
-            </a:extLst>
-          </p:cNvPr>
+          <p:cNvPr id="6" name="Footer Placeholder 5"/>
           <p:cNvSpPr>
             <a:spLocks noGrp="1"/>
           </p:cNvSpPr>
@@ -1431,13 +1266,7 @@
       </p:sp>
       <p:sp>
         <p:nvSpPr>
-          <p:cNvPr id="7" name="灯片编号占位符 6">
-            <a:extLst>
-              <a:ext uri="{FF2B5EF4-FFF2-40B4-BE49-F238E27FC236}">
-                <a16:creationId xmlns:a16="http://schemas.microsoft.com/office/drawing/2014/main" id="{D5B4A4DD-3A63-4C6E-9DBB-2EBA4AE64397}"/>
-              </a:ext>
-            </a:extLst>
-          </p:cNvPr>
+          <p:cNvPr id="7" name="Slide Number Placeholder 6"/>
           <p:cNvSpPr>
             <a:spLocks noGrp="1"/>
           </p:cNvSpPr>
@@ -1461,7 +1290,7 @@
     </p:spTree>
     <p:extLst>
       <p:ext uri="{BB962C8B-B14F-4D97-AF65-F5344CB8AC3E}">
-        <p14:creationId xmlns:p14="http://schemas.microsoft.com/office/powerpoint/2010/main" val="1042887429"/>
+        <p14:creationId xmlns:p14="http://schemas.microsoft.com/office/powerpoint/2010/main" val="1376344510"/>
       </p:ext>
     </p:extLst>
   </p:cSld>
@@ -1490,13 +1319,7 @@
       </p:grpSpPr>
       <p:sp>
         <p:nvSpPr>
-          <p:cNvPr id="2" name="标题 1">
-            <a:extLst>
-              <a:ext uri="{FF2B5EF4-FFF2-40B4-BE49-F238E27FC236}">
-                <a16:creationId xmlns:a16="http://schemas.microsoft.com/office/drawing/2014/main" id="{AF2F89FB-7F4F-73CB-4E66-516DFD51B058}"/>
-              </a:ext>
-            </a:extLst>
-          </p:cNvPr>
+          <p:cNvPr id="2" name="Title 1"/>
           <p:cNvSpPr>
             <a:spLocks noGrp="1"/>
           </p:cNvSpPr>
@@ -1506,8 +1329,8 @@
         </p:nvSpPr>
         <p:spPr>
           <a:xfrm>
-            <a:off x="839788" y="365125"/>
-            <a:ext cx="10515600" cy="1325563"/>
+            <a:off x="839788" y="575922"/>
+            <a:ext cx="10515600" cy="2090829"/>
           </a:xfrm>
         </p:spPr>
         <p:txBody>
@@ -1515,21 +1338,16 @@
           <a:lstStyle/>
           <a:p>
             <a:r>
-              <a:rPr kumimoji="1" lang="zh-CN" altLang="en-US"/>
+              <a:rPr lang="zh-CN" altLang="en-US"/>
               <a:t>单击此处编辑母版标题样式</a:t>
             </a:r>
-          </a:p>
-        </p:txBody>
-      </p:sp>
-      <p:sp>
-        <p:nvSpPr>
-          <p:cNvPr id="3" name="文本占位符 2">
-            <a:extLst>
-              <a:ext uri="{FF2B5EF4-FFF2-40B4-BE49-F238E27FC236}">
-                <a16:creationId xmlns:a16="http://schemas.microsoft.com/office/drawing/2014/main" id="{4DDC42B6-CA40-28E9-9BBE-96D4F3AA2084}"/>
-              </a:ext>
-            </a:extLst>
-          </p:cNvPr>
+            <a:endParaRPr lang="en-US" dirty="0"/>
+          </a:p>
+        </p:txBody>
+      </p:sp>
+      <p:sp>
+        <p:nvSpPr>
+          <p:cNvPr id="3" name="Text Placeholder 2"/>
           <p:cNvSpPr>
             <a:spLocks noGrp="1"/>
           </p:cNvSpPr>
@@ -1539,8 +1357,8 @@
         </p:nvSpPr>
         <p:spPr>
           <a:xfrm>
-            <a:off x="839788" y="1681163"/>
-            <a:ext cx="5157787" cy="823912"/>
+            <a:off x="839791" y="2651722"/>
+            <a:ext cx="5157787" cy="1299570"/>
           </a:xfrm>
         </p:spPr>
         <p:txBody>
@@ -1548,45 +1366,45 @@
           <a:lstStyle>
             <a:lvl1pPr marL="0" indent="0">
               <a:buNone/>
+              <a:defRPr sz="3200" b="1"/>
+            </a:lvl1pPr>
+            <a:lvl2pPr marL="609660" indent="0">
+              <a:buNone/>
+              <a:defRPr sz="2667" b="1"/>
+            </a:lvl2pPr>
+            <a:lvl3pPr marL="1219318" indent="0">
+              <a:buNone/>
               <a:defRPr sz="2400" b="1"/>
-            </a:lvl1pPr>
-            <a:lvl2pPr marL="457200" indent="0">
-              <a:buNone/>
-              <a:defRPr sz="2000" b="1"/>
-            </a:lvl2pPr>
-            <a:lvl3pPr marL="914400" indent="0">
-              <a:buNone/>
-              <a:defRPr sz="1800" b="1"/>
             </a:lvl3pPr>
-            <a:lvl4pPr marL="1371600" indent="0">
-              <a:buNone/>
-              <a:defRPr sz="1600" b="1"/>
+            <a:lvl4pPr marL="1828976" indent="0">
+              <a:buNone/>
+              <a:defRPr sz="2133" b="1"/>
             </a:lvl4pPr>
-            <a:lvl5pPr marL="1828800" indent="0">
-              <a:buNone/>
-              <a:defRPr sz="1600" b="1"/>
+            <a:lvl5pPr marL="2438634" indent="0">
+              <a:buNone/>
+              <a:defRPr sz="2133" b="1"/>
             </a:lvl5pPr>
-            <a:lvl6pPr marL="2286000" indent="0">
-              <a:buNone/>
-              <a:defRPr sz="1600" b="1"/>
+            <a:lvl6pPr marL="3048293" indent="0">
+              <a:buNone/>
+              <a:defRPr sz="2133" b="1"/>
             </a:lvl6pPr>
-            <a:lvl7pPr marL="2743200" indent="0">
-              <a:buNone/>
-              <a:defRPr sz="1600" b="1"/>
+            <a:lvl7pPr marL="3657950" indent="0">
+              <a:buNone/>
+              <a:defRPr sz="2133" b="1"/>
             </a:lvl7pPr>
-            <a:lvl8pPr marL="3200400" indent="0">
-              <a:buNone/>
-              <a:defRPr sz="1600" b="1"/>
+            <a:lvl8pPr marL="4267610" indent="0">
+              <a:buNone/>
+              <a:defRPr sz="2133" b="1"/>
             </a:lvl8pPr>
-            <a:lvl9pPr marL="3657600" indent="0">
-              <a:buNone/>
-              <a:defRPr sz="1600" b="1"/>
+            <a:lvl9pPr marL="4877268" indent="0">
+              <a:buNone/>
+              <a:defRPr sz="2133" b="1"/>
             </a:lvl9pPr>
           </a:lstStyle>
           <a:p>
             <a:pPr lvl="0"/>
             <a:r>
-              <a:rPr kumimoji="1" lang="zh-CN" altLang="en-US"/>
+              <a:rPr lang="zh-CN" altLang="en-US"/>
               <a:t>单击此处编辑母版文本样式</a:t>
             </a:r>
           </a:p>
@@ -1594,13 +1412,7 @@
       </p:sp>
       <p:sp>
         <p:nvSpPr>
-          <p:cNvPr id="4" name="内容占位符 3">
-            <a:extLst>
-              <a:ext uri="{FF2B5EF4-FFF2-40B4-BE49-F238E27FC236}">
-                <a16:creationId xmlns:a16="http://schemas.microsoft.com/office/drawing/2014/main" id="{2616DF05-6DE5-15EF-D936-07344664426D}"/>
-              </a:ext>
-            </a:extLst>
-          </p:cNvPr>
+          <p:cNvPr id="4" name="Content Placeholder 3"/>
           <p:cNvSpPr>
             <a:spLocks noGrp="1"/>
           </p:cNvSpPr>
@@ -1610,8 +1422,8 @@
         </p:nvSpPr>
         <p:spPr>
           <a:xfrm>
-            <a:off x="839788" y="2505075"/>
-            <a:ext cx="5157787" cy="3684588"/>
+            <a:off x="839791" y="3951293"/>
+            <a:ext cx="5157787" cy="5811756"/>
           </a:xfrm>
         </p:spPr>
         <p:txBody>
@@ -1620,49 +1432,44 @@
           <a:p>
             <a:pPr lvl="0"/>
             <a:r>
-              <a:rPr kumimoji="1" lang="zh-CN" altLang="en-US"/>
+              <a:rPr lang="zh-CN" altLang="en-US"/>
               <a:t>单击此处编辑母版文本样式</a:t>
             </a:r>
           </a:p>
           <a:p>
             <a:pPr lvl="1"/>
             <a:r>
-              <a:rPr kumimoji="1" lang="zh-CN" altLang="en-US"/>
+              <a:rPr lang="zh-CN" altLang="en-US"/>
               <a:t>二级</a:t>
             </a:r>
           </a:p>
           <a:p>
             <a:pPr lvl="2"/>
             <a:r>
-              <a:rPr kumimoji="1" lang="zh-CN" altLang="en-US"/>
+              <a:rPr lang="zh-CN" altLang="en-US"/>
               <a:t>三级</a:t>
             </a:r>
           </a:p>
           <a:p>
             <a:pPr lvl="3"/>
             <a:r>
-              <a:rPr kumimoji="1" lang="zh-CN" altLang="en-US"/>
+              <a:rPr lang="zh-CN" altLang="en-US"/>
               <a:t>四级</a:t>
             </a:r>
           </a:p>
           <a:p>
             <a:pPr lvl="4"/>
             <a:r>
-              <a:rPr kumimoji="1" lang="zh-CN" altLang="en-US"/>
+              <a:rPr lang="zh-CN" altLang="en-US"/>
               <a:t>五级</a:t>
             </a:r>
-          </a:p>
-        </p:txBody>
-      </p:sp>
-      <p:sp>
-        <p:nvSpPr>
-          <p:cNvPr id="5" name="文本占位符 4">
-            <a:extLst>
-              <a:ext uri="{FF2B5EF4-FFF2-40B4-BE49-F238E27FC236}">
-                <a16:creationId xmlns:a16="http://schemas.microsoft.com/office/drawing/2014/main" id="{5586EE88-36AD-C14C-FF99-30F5A1A5F965}"/>
-              </a:ext>
-            </a:extLst>
-          </p:cNvPr>
+            <a:endParaRPr lang="en-US" dirty="0"/>
+          </a:p>
+        </p:txBody>
+      </p:sp>
+      <p:sp>
+        <p:nvSpPr>
+          <p:cNvPr id="5" name="Text Placeholder 4"/>
           <p:cNvSpPr>
             <a:spLocks noGrp="1"/>
           </p:cNvSpPr>
@@ -1672,8 +1479,8 @@
         </p:nvSpPr>
         <p:spPr>
           <a:xfrm>
-            <a:off x="6172200" y="1681163"/>
-            <a:ext cx="5183188" cy="823912"/>
+            <a:off x="6172201" y="2651722"/>
+            <a:ext cx="5183188" cy="1299570"/>
           </a:xfrm>
         </p:spPr>
         <p:txBody>
@@ -1681,45 +1488,45 @@
           <a:lstStyle>
             <a:lvl1pPr marL="0" indent="0">
               <a:buNone/>
+              <a:defRPr sz="3200" b="1"/>
+            </a:lvl1pPr>
+            <a:lvl2pPr marL="609660" indent="0">
+              <a:buNone/>
+              <a:defRPr sz="2667" b="1"/>
+            </a:lvl2pPr>
+            <a:lvl3pPr marL="1219318" indent="0">
+              <a:buNone/>
               <a:defRPr sz="2400" b="1"/>
-            </a:lvl1pPr>
-            <a:lvl2pPr marL="457200" indent="0">
-              <a:buNone/>
-              <a:defRPr sz="2000" b="1"/>
-            </a:lvl2pPr>
-            <a:lvl3pPr marL="914400" indent="0">
-              <a:buNone/>
-              <a:defRPr sz="1800" b="1"/>
             </a:lvl3pPr>
-            <a:lvl4pPr marL="1371600" indent="0">
-              <a:buNone/>
-              <a:defRPr sz="1600" b="1"/>
+            <a:lvl4pPr marL="1828976" indent="0">
+              <a:buNone/>
+              <a:defRPr sz="2133" b="1"/>
             </a:lvl4pPr>
-            <a:lvl5pPr marL="1828800" indent="0">
-              <a:buNone/>
-              <a:defRPr sz="1600" b="1"/>
+            <a:lvl5pPr marL="2438634" indent="0">
+              <a:buNone/>
+              <a:defRPr sz="2133" b="1"/>
             </a:lvl5pPr>
-            <a:lvl6pPr marL="2286000" indent="0">
-              <a:buNone/>
-              <a:defRPr sz="1600" b="1"/>
+            <a:lvl6pPr marL="3048293" indent="0">
+              <a:buNone/>
+              <a:defRPr sz="2133" b="1"/>
             </a:lvl6pPr>
-            <a:lvl7pPr marL="2743200" indent="0">
-              <a:buNone/>
-              <a:defRPr sz="1600" b="1"/>
+            <a:lvl7pPr marL="3657950" indent="0">
+              <a:buNone/>
+              <a:defRPr sz="2133" b="1"/>
             </a:lvl7pPr>
-            <a:lvl8pPr marL="3200400" indent="0">
-              <a:buNone/>
-              <a:defRPr sz="1600" b="1"/>
+            <a:lvl8pPr marL="4267610" indent="0">
+              <a:buNone/>
+              <a:defRPr sz="2133" b="1"/>
             </a:lvl8pPr>
-            <a:lvl9pPr marL="3657600" indent="0">
-              <a:buNone/>
-              <a:defRPr sz="1600" b="1"/>
+            <a:lvl9pPr marL="4877268" indent="0">
+              <a:buNone/>
+              <a:defRPr sz="2133" b="1"/>
             </a:lvl9pPr>
           </a:lstStyle>
           <a:p>
             <a:pPr lvl="0"/>
             <a:r>
-              <a:rPr kumimoji="1" lang="zh-CN" altLang="en-US"/>
+              <a:rPr lang="zh-CN" altLang="en-US"/>
               <a:t>单击此处编辑母版文本样式</a:t>
             </a:r>
           </a:p>
@@ -1727,13 +1534,7 @@
       </p:sp>
       <p:sp>
         <p:nvSpPr>
-          <p:cNvPr id="6" name="内容占位符 5">
-            <a:extLst>
-              <a:ext uri="{FF2B5EF4-FFF2-40B4-BE49-F238E27FC236}">
-                <a16:creationId xmlns:a16="http://schemas.microsoft.com/office/drawing/2014/main" id="{D2DCD73B-1D12-1AB1-A42B-9608B78015AB}"/>
-              </a:ext>
-            </a:extLst>
-          </p:cNvPr>
+          <p:cNvPr id="6" name="Content Placeholder 5"/>
           <p:cNvSpPr>
             <a:spLocks noGrp="1"/>
           </p:cNvSpPr>
@@ -1743,8 +1544,8 @@
         </p:nvSpPr>
         <p:spPr>
           <a:xfrm>
-            <a:off x="6172200" y="2505075"/>
-            <a:ext cx="5183188" cy="3684588"/>
+            <a:off x="6172201" y="3951293"/>
+            <a:ext cx="5183188" cy="5811756"/>
           </a:xfrm>
         </p:spPr>
         <p:txBody>
@@ -1753,49 +1554,44 @@
           <a:p>
             <a:pPr lvl="0"/>
             <a:r>
-              <a:rPr kumimoji="1" lang="zh-CN" altLang="en-US"/>
+              <a:rPr lang="zh-CN" altLang="en-US"/>
               <a:t>单击此处编辑母版文本样式</a:t>
             </a:r>
           </a:p>
           <a:p>
             <a:pPr lvl="1"/>
             <a:r>
-              <a:rPr kumimoji="1" lang="zh-CN" altLang="en-US"/>
+              <a:rPr lang="zh-CN" altLang="en-US"/>
               <a:t>二级</a:t>
             </a:r>
           </a:p>
           <a:p>
             <a:pPr lvl="2"/>
             <a:r>
-              <a:rPr kumimoji="1" lang="zh-CN" altLang="en-US"/>
+              <a:rPr lang="zh-CN" altLang="en-US"/>
               <a:t>三级</a:t>
             </a:r>
           </a:p>
           <a:p>
             <a:pPr lvl="3"/>
             <a:r>
-              <a:rPr kumimoji="1" lang="zh-CN" altLang="en-US"/>
+              <a:rPr lang="zh-CN" altLang="en-US"/>
               <a:t>四级</a:t>
             </a:r>
           </a:p>
           <a:p>
             <a:pPr lvl="4"/>
             <a:r>
-              <a:rPr kumimoji="1" lang="zh-CN" altLang="en-US"/>
+              <a:rPr lang="zh-CN" altLang="en-US"/>
               <a:t>五级</a:t>
             </a:r>
-          </a:p>
-        </p:txBody>
-      </p:sp>
-      <p:sp>
-        <p:nvSpPr>
-          <p:cNvPr id="7" name="日期占位符 6">
-            <a:extLst>
-              <a:ext uri="{FF2B5EF4-FFF2-40B4-BE49-F238E27FC236}">
-                <a16:creationId xmlns:a16="http://schemas.microsoft.com/office/drawing/2014/main" id="{B78CF71A-9C3F-D958-DE53-AE2A70BC60F7}"/>
-              </a:ext>
-            </a:extLst>
-          </p:cNvPr>
+            <a:endParaRPr lang="en-US" dirty="0"/>
+          </a:p>
+        </p:txBody>
+      </p:sp>
+      <p:sp>
+        <p:nvSpPr>
+          <p:cNvPr id="7" name="Date Placeholder 6"/>
           <p:cNvSpPr>
             <a:spLocks noGrp="1"/>
           </p:cNvSpPr>
@@ -1810,7 +1606,7 @@
           <a:p>
             <a:fld id="{536F080D-0ECA-3942-B61E-D2ADCC91C531}" type="datetimeFigureOut">
               <a:rPr kumimoji="1" lang="zh-CN" altLang="en-US" smtClean="0"/>
-              <a:t>2023/8/29</a:t>
+              <a:t>2023/9/6</a:t>
             </a:fld>
             <a:endParaRPr kumimoji="1" lang="zh-CN" altLang="en-US"/>
           </a:p>
@@ -1818,13 +1614,7 @@
       </p:sp>
       <p:sp>
         <p:nvSpPr>
-          <p:cNvPr id="8" name="页脚占位符 7">
-            <a:extLst>
-              <a:ext uri="{FF2B5EF4-FFF2-40B4-BE49-F238E27FC236}">
-                <a16:creationId xmlns:a16="http://schemas.microsoft.com/office/drawing/2014/main" id="{980545F6-3DF6-6511-5968-6C7525B76561}"/>
-              </a:ext>
-            </a:extLst>
-          </p:cNvPr>
+          <p:cNvPr id="8" name="Footer Placeholder 7"/>
           <p:cNvSpPr>
             <a:spLocks noGrp="1"/>
           </p:cNvSpPr>
@@ -1843,13 +1633,7 @@
       </p:sp>
       <p:sp>
         <p:nvSpPr>
-          <p:cNvPr id="9" name="灯片编号占位符 8">
-            <a:extLst>
-              <a:ext uri="{FF2B5EF4-FFF2-40B4-BE49-F238E27FC236}">
-                <a16:creationId xmlns:a16="http://schemas.microsoft.com/office/drawing/2014/main" id="{1E2EC120-9148-89A4-8588-9142D2B45E88}"/>
-              </a:ext>
-            </a:extLst>
-          </p:cNvPr>
+          <p:cNvPr id="9" name="Slide Number Placeholder 8"/>
           <p:cNvSpPr>
             <a:spLocks noGrp="1"/>
           </p:cNvSpPr>
@@ -1873,7 +1657,7 @@
     </p:spTree>
     <p:extLst>
       <p:ext uri="{BB962C8B-B14F-4D97-AF65-F5344CB8AC3E}">
-        <p14:creationId xmlns:p14="http://schemas.microsoft.com/office/powerpoint/2010/main" val="4109747321"/>
+        <p14:creationId xmlns:p14="http://schemas.microsoft.com/office/powerpoint/2010/main" val="1504311443"/>
       </p:ext>
     </p:extLst>
   </p:cSld>
@@ -1902,13 +1686,7 @@
       </p:grpSpPr>
       <p:sp>
         <p:nvSpPr>
-          <p:cNvPr id="2" name="标题 1">
-            <a:extLst>
-              <a:ext uri="{FF2B5EF4-FFF2-40B4-BE49-F238E27FC236}">
-                <a16:creationId xmlns:a16="http://schemas.microsoft.com/office/drawing/2014/main" id="{7C9E717E-9FB2-F71D-E62E-C1EEC276EBF2}"/>
-              </a:ext>
-            </a:extLst>
-          </p:cNvPr>
+          <p:cNvPr id="2" name="Title 1"/>
           <p:cNvSpPr>
             <a:spLocks noGrp="1"/>
           </p:cNvSpPr>
@@ -1922,21 +1700,16 @@
           <a:lstStyle/>
           <a:p>
             <a:r>
-              <a:rPr kumimoji="1" lang="zh-CN" altLang="en-US"/>
+              <a:rPr lang="zh-CN" altLang="en-US"/>
               <a:t>单击此处编辑母版标题样式</a:t>
             </a:r>
-          </a:p>
-        </p:txBody>
-      </p:sp>
-      <p:sp>
-        <p:nvSpPr>
-          <p:cNvPr id="3" name="日期占位符 2">
-            <a:extLst>
-              <a:ext uri="{FF2B5EF4-FFF2-40B4-BE49-F238E27FC236}">
-                <a16:creationId xmlns:a16="http://schemas.microsoft.com/office/drawing/2014/main" id="{F8D99C6A-F7A9-E3BB-9B44-538B11516D96}"/>
-              </a:ext>
-            </a:extLst>
-          </p:cNvPr>
+            <a:endParaRPr lang="en-US" dirty="0"/>
+          </a:p>
+        </p:txBody>
+      </p:sp>
+      <p:sp>
+        <p:nvSpPr>
+          <p:cNvPr id="3" name="Date Placeholder 2"/>
           <p:cNvSpPr>
             <a:spLocks noGrp="1"/>
           </p:cNvSpPr>
@@ -1951,7 +1724,7 @@
           <a:p>
             <a:fld id="{536F080D-0ECA-3942-B61E-D2ADCC91C531}" type="datetimeFigureOut">
               <a:rPr kumimoji="1" lang="zh-CN" altLang="en-US" smtClean="0"/>
-              <a:t>2023/8/29</a:t>
+              <a:t>2023/9/6</a:t>
             </a:fld>
             <a:endParaRPr kumimoji="1" lang="zh-CN" altLang="en-US"/>
           </a:p>
@@ -1959,13 +1732,7 @@
       </p:sp>
       <p:sp>
         <p:nvSpPr>
-          <p:cNvPr id="4" name="页脚占位符 3">
-            <a:extLst>
-              <a:ext uri="{FF2B5EF4-FFF2-40B4-BE49-F238E27FC236}">
-                <a16:creationId xmlns:a16="http://schemas.microsoft.com/office/drawing/2014/main" id="{A737C056-A949-F1CA-77F8-4B65B28DCCC2}"/>
-              </a:ext>
-            </a:extLst>
-          </p:cNvPr>
+          <p:cNvPr id="4" name="Footer Placeholder 3"/>
           <p:cNvSpPr>
             <a:spLocks noGrp="1"/>
           </p:cNvSpPr>
@@ -1984,13 +1751,7 @@
       </p:sp>
       <p:sp>
         <p:nvSpPr>
-          <p:cNvPr id="5" name="灯片编号占位符 4">
-            <a:extLst>
-              <a:ext uri="{FF2B5EF4-FFF2-40B4-BE49-F238E27FC236}">
-                <a16:creationId xmlns:a16="http://schemas.microsoft.com/office/drawing/2014/main" id="{D6AFB5CF-5F64-7A5C-2D36-1324A057C540}"/>
-              </a:ext>
-            </a:extLst>
-          </p:cNvPr>
+          <p:cNvPr id="5" name="Slide Number Placeholder 4"/>
           <p:cNvSpPr>
             <a:spLocks noGrp="1"/>
           </p:cNvSpPr>
@@ -2014,7 +1775,7 @@
     </p:spTree>
     <p:extLst>
       <p:ext uri="{BB962C8B-B14F-4D97-AF65-F5344CB8AC3E}">
-        <p14:creationId xmlns:p14="http://schemas.microsoft.com/office/powerpoint/2010/main" val="2389419683"/>
+        <p14:creationId xmlns:p14="http://schemas.microsoft.com/office/powerpoint/2010/main" val="2936721039"/>
       </p:ext>
     </p:extLst>
   </p:cSld>
@@ -2043,13 +1804,7 @@
       </p:grpSpPr>
       <p:sp>
         <p:nvSpPr>
-          <p:cNvPr id="2" name="日期占位符 1">
-            <a:extLst>
-              <a:ext uri="{FF2B5EF4-FFF2-40B4-BE49-F238E27FC236}">
-                <a16:creationId xmlns:a16="http://schemas.microsoft.com/office/drawing/2014/main" id="{EDECD290-1C79-FF71-011C-5E373A165B92}"/>
-              </a:ext>
-            </a:extLst>
-          </p:cNvPr>
+          <p:cNvPr id="2" name="Date Placeholder 1"/>
           <p:cNvSpPr>
             <a:spLocks noGrp="1"/>
           </p:cNvSpPr>
@@ -2064,7 +1819,7 @@
           <a:p>
             <a:fld id="{536F080D-0ECA-3942-B61E-D2ADCC91C531}" type="datetimeFigureOut">
               <a:rPr kumimoji="1" lang="zh-CN" altLang="en-US" smtClean="0"/>
-              <a:t>2023/8/29</a:t>
+              <a:t>2023/9/6</a:t>
             </a:fld>
             <a:endParaRPr kumimoji="1" lang="zh-CN" altLang="en-US"/>
           </a:p>
@@ -2072,13 +1827,7 @@
       </p:sp>
       <p:sp>
         <p:nvSpPr>
-          <p:cNvPr id="3" name="页脚占位符 2">
-            <a:extLst>
-              <a:ext uri="{FF2B5EF4-FFF2-40B4-BE49-F238E27FC236}">
-                <a16:creationId xmlns:a16="http://schemas.microsoft.com/office/drawing/2014/main" id="{9B331503-968F-236B-6E7D-6CF427D7B1D5}"/>
-              </a:ext>
-            </a:extLst>
-          </p:cNvPr>
+          <p:cNvPr id="3" name="Footer Placeholder 2"/>
           <p:cNvSpPr>
             <a:spLocks noGrp="1"/>
           </p:cNvSpPr>
@@ -2097,13 +1846,7 @@
       </p:sp>
       <p:sp>
         <p:nvSpPr>
-          <p:cNvPr id="4" name="灯片编号占位符 3">
-            <a:extLst>
-              <a:ext uri="{FF2B5EF4-FFF2-40B4-BE49-F238E27FC236}">
-                <a16:creationId xmlns:a16="http://schemas.microsoft.com/office/drawing/2014/main" id="{D17A17F8-8594-0217-642B-320DE58AF119}"/>
-              </a:ext>
-            </a:extLst>
-          </p:cNvPr>
+          <p:cNvPr id="4" name="Slide Number Placeholder 3"/>
           <p:cNvSpPr>
             <a:spLocks noGrp="1"/>
           </p:cNvSpPr>
@@ -2127,7 +1870,7 @@
     </p:spTree>
     <p:extLst>
       <p:ext uri="{BB962C8B-B14F-4D97-AF65-F5344CB8AC3E}">
-        <p14:creationId xmlns:p14="http://schemas.microsoft.com/office/powerpoint/2010/main" val="251844577"/>
+        <p14:creationId xmlns:p14="http://schemas.microsoft.com/office/powerpoint/2010/main" val="1391124705"/>
       </p:ext>
     </p:extLst>
   </p:cSld>
@@ -2156,13 +1899,7 @@
       </p:grpSpPr>
       <p:sp>
         <p:nvSpPr>
-          <p:cNvPr id="2" name="标题 1">
-            <a:extLst>
-              <a:ext uri="{FF2B5EF4-FFF2-40B4-BE49-F238E27FC236}">
-                <a16:creationId xmlns:a16="http://schemas.microsoft.com/office/drawing/2014/main" id="{4203EBD7-A19A-9374-C176-D48248D088A8}"/>
-              </a:ext>
-            </a:extLst>
-          </p:cNvPr>
+          <p:cNvPr id="2" name="Title 1"/>
           <p:cNvSpPr>
             <a:spLocks noGrp="1"/>
           </p:cNvSpPr>
@@ -2172,34 +1909,29 @@
         </p:nvSpPr>
         <p:spPr>
           <a:xfrm>
-            <a:off x="839788" y="457200"/>
-            <a:ext cx="3932237" cy="1600200"/>
+            <a:off x="839792" y="721148"/>
+            <a:ext cx="3932237" cy="2524019"/>
           </a:xfrm>
         </p:spPr>
         <p:txBody>
           <a:bodyPr anchor="b"/>
           <a:lstStyle>
             <a:lvl1pPr>
-              <a:defRPr sz="3200"/>
+              <a:defRPr sz="4267"/>
             </a:lvl1pPr>
           </a:lstStyle>
           <a:p>
             <a:r>
-              <a:rPr kumimoji="1" lang="zh-CN" altLang="en-US"/>
+              <a:rPr lang="zh-CN" altLang="en-US"/>
               <a:t>单击此处编辑母版标题样式</a:t>
             </a:r>
-          </a:p>
-        </p:txBody>
-      </p:sp>
-      <p:sp>
-        <p:nvSpPr>
-          <p:cNvPr id="3" name="内容占位符 2">
-            <a:extLst>
-              <a:ext uri="{FF2B5EF4-FFF2-40B4-BE49-F238E27FC236}">
-                <a16:creationId xmlns:a16="http://schemas.microsoft.com/office/drawing/2014/main" id="{A89176E1-73A8-60F8-A183-3C18F63B86F5}"/>
-              </a:ext>
-            </a:extLst>
-          </p:cNvPr>
+            <a:endParaRPr lang="en-US" dirty="0"/>
+          </a:p>
+        </p:txBody>
+      </p:sp>
+      <p:sp>
+        <p:nvSpPr>
+          <p:cNvPr id="3" name="Content Placeholder 2"/>
           <p:cNvSpPr>
             <a:spLocks noGrp="1"/>
           </p:cNvSpPr>
@@ -2209,87 +1941,82 @@
         </p:nvSpPr>
         <p:spPr>
           <a:xfrm>
-            <a:off x="5183188" y="987425"/>
-            <a:ext cx="6172200" cy="4873625"/>
+            <a:off x="5183188" y="1557482"/>
+            <a:ext cx="6172200" cy="7687241"/>
           </a:xfrm>
         </p:spPr>
         <p:txBody>
           <a:bodyPr/>
           <a:lstStyle>
             <a:lvl1pPr>
-              <a:defRPr sz="3200"/>
+              <a:defRPr sz="4267"/>
             </a:lvl1pPr>
             <a:lvl2pPr>
-              <a:defRPr sz="2800"/>
+              <a:defRPr sz="3734"/>
             </a:lvl2pPr>
             <a:lvl3pPr>
-              <a:defRPr sz="2400"/>
+              <a:defRPr sz="3200"/>
             </a:lvl3pPr>
             <a:lvl4pPr>
-              <a:defRPr sz="2000"/>
+              <a:defRPr sz="2667"/>
             </a:lvl4pPr>
             <a:lvl5pPr>
-              <a:defRPr sz="2000"/>
+              <a:defRPr sz="2667"/>
             </a:lvl5pPr>
             <a:lvl6pPr>
-              <a:defRPr sz="2000"/>
+              <a:defRPr sz="2667"/>
             </a:lvl6pPr>
             <a:lvl7pPr>
-              <a:defRPr sz="2000"/>
+              <a:defRPr sz="2667"/>
             </a:lvl7pPr>
             <a:lvl8pPr>
-              <a:defRPr sz="2000"/>
+              <a:defRPr sz="2667"/>
             </a:lvl8pPr>
             <a:lvl9pPr>
-              <a:defRPr sz="2000"/>
+              <a:defRPr sz="2667"/>
             </a:lvl9pPr>
           </a:lstStyle>
           <a:p>
             <a:pPr lvl="0"/>
             <a:r>
-              <a:rPr kumimoji="1" lang="zh-CN" altLang="en-US"/>
+              <a:rPr lang="zh-CN" altLang="en-US"/>
               <a:t>单击此处编辑母版文本样式</a:t>
             </a:r>
           </a:p>
           <a:p>
             <a:pPr lvl="1"/>
             <a:r>
-              <a:rPr kumimoji="1" lang="zh-CN" altLang="en-US"/>
+              <a:rPr lang="zh-CN" altLang="en-US"/>
               <a:t>二级</a:t>
             </a:r>
           </a:p>
           <a:p>
             <a:pPr lvl="2"/>
             <a:r>
-              <a:rPr kumimoji="1" lang="zh-CN" altLang="en-US"/>
+              <a:rPr lang="zh-CN" altLang="en-US"/>
               <a:t>三级</a:t>
             </a:r>
           </a:p>
           <a:p>
             <a:pPr lvl="3"/>
             <a:r>
-              <a:rPr kumimoji="1" lang="zh-CN" altLang="en-US"/>
+              <a:rPr lang="zh-CN" altLang="en-US"/>
               <a:t>四级</a:t>
             </a:r>
           </a:p>
           <a:p>
             <a:pPr lvl="4"/>
             <a:r>
-              <a:rPr kumimoji="1" lang="zh-CN" altLang="en-US"/>
+              <a:rPr lang="zh-CN" altLang="en-US"/>
               <a:t>五级</a:t>
             </a:r>
-          </a:p>
-        </p:txBody>
-      </p:sp>
-      <p:sp>
-        <p:nvSpPr>
-          <p:cNvPr id="4" name="文本占位符 3">
-            <a:extLst>
-              <a:ext uri="{FF2B5EF4-FFF2-40B4-BE49-F238E27FC236}">
-                <a16:creationId xmlns:a16="http://schemas.microsoft.com/office/drawing/2014/main" id="{A29B1DB3-2898-F0CD-B787-58FD33A9C7EF}"/>
-              </a:ext>
-            </a:extLst>
-          </p:cNvPr>
+            <a:endParaRPr lang="en-US" dirty="0"/>
+          </a:p>
+        </p:txBody>
+      </p:sp>
+      <p:sp>
+        <p:nvSpPr>
+          <p:cNvPr id="4" name="Text Placeholder 3"/>
           <p:cNvSpPr>
             <a:spLocks noGrp="1"/>
           </p:cNvSpPr>
@@ -2299,8 +2026,8 @@
         </p:nvSpPr>
         <p:spPr>
           <a:xfrm>
-            <a:off x="839788" y="2057400"/>
-            <a:ext cx="3932237" cy="3811588"/>
+            <a:off x="839792" y="3245168"/>
+            <a:ext cx="3932237" cy="6012073"/>
           </a:xfrm>
         </p:spPr>
         <p:txBody>
@@ -2308,45 +2035,45 @@
           <a:lstStyle>
             <a:lvl1pPr marL="0" indent="0">
               <a:buNone/>
-              <a:defRPr sz="1600"/>
+              <a:defRPr sz="2133"/>
             </a:lvl1pPr>
-            <a:lvl2pPr marL="457200" indent="0">
-              <a:buNone/>
-              <a:defRPr sz="1400"/>
+            <a:lvl2pPr marL="609660" indent="0">
+              <a:buNone/>
+              <a:defRPr sz="1868"/>
             </a:lvl2pPr>
-            <a:lvl3pPr marL="914400" indent="0">
-              <a:buNone/>
-              <a:defRPr sz="1200"/>
+            <a:lvl3pPr marL="1219318" indent="0">
+              <a:buNone/>
+              <a:defRPr sz="1599"/>
             </a:lvl3pPr>
-            <a:lvl4pPr marL="1371600" indent="0">
-              <a:buNone/>
-              <a:defRPr sz="1000"/>
+            <a:lvl4pPr marL="1828976" indent="0">
+              <a:buNone/>
+              <a:defRPr sz="1333"/>
             </a:lvl4pPr>
-            <a:lvl5pPr marL="1828800" indent="0">
-              <a:buNone/>
-              <a:defRPr sz="1000"/>
+            <a:lvl5pPr marL="2438634" indent="0">
+              <a:buNone/>
+              <a:defRPr sz="1333"/>
             </a:lvl5pPr>
-            <a:lvl6pPr marL="2286000" indent="0">
-              <a:buNone/>
-              <a:defRPr sz="1000"/>
+            <a:lvl6pPr marL="3048293" indent="0">
+              <a:buNone/>
+              <a:defRPr sz="1333"/>
             </a:lvl6pPr>
-            <a:lvl7pPr marL="2743200" indent="0">
-              <a:buNone/>
-              <a:defRPr sz="1000"/>
+            <a:lvl7pPr marL="3657950" indent="0">
+              <a:buNone/>
+              <a:defRPr sz="1333"/>
             </a:lvl7pPr>
-            <a:lvl8pPr marL="3200400" indent="0">
-              <a:buNone/>
-              <a:defRPr sz="1000"/>
+            <a:lvl8pPr marL="4267610" indent="0">
+              <a:buNone/>
+              <a:defRPr sz="1333"/>
             </a:lvl8pPr>
-            <a:lvl9pPr marL="3657600" indent="0">
-              <a:buNone/>
-              <a:defRPr sz="1000"/>
+            <a:lvl9pPr marL="4877268" indent="0">
+              <a:buNone/>
+              <a:defRPr sz="1333"/>
             </a:lvl9pPr>
           </a:lstStyle>
           <a:p>
             <a:pPr lvl="0"/>
             <a:r>
-              <a:rPr kumimoji="1" lang="zh-CN" altLang="en-US"/>
+              <a:rPr lang="zh-CN" altLang="en-US"/>
               <a:t>单击此处编辑母版文本样式</a:t>
             </a:r>
           </a:p>
@@ -2354,13 +2081,7 @@
       </p:sp>
       <p:sp>
         <p:nvSpPr>
-          <p:cNvPr id="5" name="日期占位符 4">
-            <a:extLst>
-              <a:ext uri="{FF2B5EF4-FFF2-40B4-BE49-F238E27FC236}">
-                <a16:creationId xmlns:a16="http://schemas.microsoft.com/office/drawing/2014/main" id="{222DAEC2-1B38-C761-3028-582DBB4EF3A4}"/>
-              </a:ext>
-            </a:extLst>
-          </p:cNvPr>
+          <p:cNvPr id="5" name="Date Placeholder 4"/>
           <p:cNvSpPr>
             <a:spLocks noGrp="1"/>
           </p:cNvSpPr>
@@ -2375,7 +2096,7 @@
           <a:p>
             <a:fld id="{536F080D-0ECA-3942-B61E-D2ADCC91C531}" type="datetimeFigureOut">
               <a:rPr kumimoji="1" lang="zh-CN" altLang="en-US" smtClean="0"/>
-              <a:t>2023/8/29</a:t>
+              <a:t>2023/9/6</a:t>
             </a:fld>
             <a:endParaRPr kumimoji="1" lang="zh-CN" altLang="en-US"/>
           </a:p>
@@ -2383,13 +2104,7 @@
       </p:sp>
       <p:sp>
         <p:nvSpPr>
-          <p:cNvPr id="6" name="页脚占位符 5">
-            <a:extLst>
-              <a:ext uri="{FF2B5EF4-FFF2-40B4-BE49-F238E27FC236}">
-                <a16:creationId xmlns:a16="http://schemas.microsoft.com/office/drawing/2014/main" id="{BE3C61FF-EBA2-F1CC-3F9D-97BD702ED7BA}"/>
-              </a:ext>
-            </a:extLst>
-          </p:cNvPr>
+          <p:cNvPr id="6" name="Footer Placeholder 5"/>
           <p:cNvSpPr>
             <a:spLocks noGrp="1"/>
           </p:cNvSpPr>
@@ -2408,13 +2123,7 @@
       </p:sp>
       <p:sp>
         <p:nvSpPr>
-          <p:cNvPr id="7" name="灯片编号占位符 6">
-            <a:extLst>
-              <a:ext uri="{FF2B5EF4-FFF2-40B4-BE49-F238E27FC236}">
-                <a16:creationId xmlns:a16="http://schemas.microsoft.com/office/drawing/2014/main" id="{80F7B2E3-95CC-38F1-8F8C-030E9B44C144}"/>
-              </a:ext>
-            </a:extLst>
-          </p:cNvPr>
+          <p:cNvPr id="7" name="Slide Number Placeholder 6"/>
           <p:cNvSpPr>
             <a:spLocks noGrp="1"/>
           </p:cNvSpPr>
@@ -2438,7 +2147,7 @@
     </p:spTree>
     <p:extLst>
       <p:ext uri="{BB962C8B-B14F-4D97-AF65-F5344CB8AC3E}">
-        <p14:creationId xmlns:p14="http://schemas.microsoft.com/office/powerpoint/2010/main" val="1780637581"/>
+        <p14:creationId xmlns:p14="http://schemas.microsoft.com/office/powerpoint/2010/main" val="3939739145"/>
       </p:ext>
     </p:extLst>
   </p:cSld>
@@ -2467,13 +2176,7 @@
       </p:grpSpPr>
       <p:sp>
         <p:nvSpPr>
-          <p:cNvPr id="2" name="标题 1">
-            <a:extLst>
-              <a:ext uri="{FF2B5EF4-FFF2-40B4-BE49-F238E27FC236}">
-                <a16:creationId xmlns:a16="http://schemas.microsoft.com/office/drawing/2014/main" id="{06D8876E-5C0A-5D24-8878-B46733B94040}"/>
-              </a:ext>
-            </a:extLst>
-          </p:cNvPr>
+          <p:cNvPr id="2" name="Title 1"/>
           <p:cNvSpPr>
             <a:spLocks noGrp="1"/>
           </p:cNvSpPr>
@@ -2483,36 +2186,31 @@
         </p:nvSpPr>
         <p:spPr>
           <a:xfrm>
-            <a:off x="839788" y="457200"/>
-            <a:ext cx="3932237" cy="1600200"/>
+            <a:off x="839792" y="721148"/>
+            <a:ext cx="3932237" cy="2524019"/>
           </a:xfrm>
         </p:spPr>
         <p:txBody>
           <a:bodyPr anchor="b"/>
           <a:lstStyle>
             <a:lvl1pPr>
-              <a:defRPr sz="3200"/>
+              <a:defRPr sz="4267"/>
             </a:lvl1pPr>
           </a:lstStyle>
           <a:p>
             <a:r>
-              <a:rPr kumimoji="1" lang="zh-CN" altLang="en-US"/>
+              <a:rPr lang="zh-CN" altLang="en-US"/>
               <a:t>单击此处编辑母版标题样式</a:t>
             </a:r>
-          </a:p>
-        </p:txBody>
-      </p:sp>
-      <p:sp>
-        <p:nvSpPr>
-          <p:cNvPr id="3" name="图片占位符 2">
-            <a:extLst>
-              <a:ext uri="{FF2B5EF4-FFF2-40B4-BE49-F238E27FC236}">
-                <a16:creationId xmlns:a16="http://schemas.microsoft.com/office/drawing/2014/main" id="{3D5D95E6-5ADB-E7DF-631C-5CFD7D5D3458}"/>
-              </a:ext>
-            </a:extLst>
-          </p:cNvPr>
-          <p:cNvSpPr>
-            <a:spLocks noGrp="1"/>
+            <a:endParaRPr lang="en-US" dirty="0"/>
+          </a:p>
+        </p:txBody>
+      </p:sp>
+      <p:sp>
+        <p:nvSpPr>
+          <p:cNvPr id="3" name="Picture Placeholder 2"/>
+          <p:cNvSpPr>
+            <a:spLocks noGrp="1" noChangeAspect="1"/>
           </p:cNvSpPr>
           <p:nvPr>
             <p:ph type="pic" idx="1"/>
@@ -2520,64 +2218,62 @@
         </p:nvSpPr>
         <p:spPr>
           <a:xfrm>
-            <a:off x="5183188" y="987425"/>
-            <a:ext cx="6172200" cy="4873625"/>
+            <a:off x="5183188" y="1557482"/>
+            <a:ext cx="6172200" cy="7687241"/>
           </a:xfrm>
         </p:spPr>
         <p:txBody>
-          <a:bodyPr/>
+          <a:bodyPr anchor="t"/>
           <a:lstStyle>
             <a:lvl1pPr marL="0" indent="0">
               <a:buNone/>
+              <a:defRPr sz="4267"/>
+            </a:lvl1pPr>
+            <a:lvl2pPr marL="609660" indent="0">
+              <a:buNone/>
+              <a:defRPr sz="3734"/>
+            </a:lvl2pPr>
+            <a:lvl3pPr marL="1219318" indent="0">
+              <a:buNone/>
               <a:defRPr sz="3200"/>
-            </a:lvl1pPr>
-            <a:lvl2pPr marL="457200" indent="0">
-              <a:buNone/>
-              <a:defRPr sz="2800"/>
-            </a:lvl2pPr>
-            <a:lvl3pPr marL="914400" indent="0">
-              <a:buNone/>
-              <a:defRPr sz="2400"/>
             </a:lvl3pPr>
-            <a:lvl4pPr marL="1371600" indent="0">
-              <a:buNone/>
-              <a:defRPr sz="2000"/>
+            <a:lvl4pPr marL="1828976" indent="0">
+              <a:buNone/>
+              <a:defRPr sz="2667"/>
             </a:lvl4pPr>
-            <a:lvl5pPr marL="1828800" indent="0">
-              <a:buNone/>
-              <a:defRPr sz="2000"/>
+            <a:lvl5pPr marL="2438634" indent="0">
+              <a:buNone/>
+              <a:defRPr sz="2667"/>
             </a:lvl5pPr>
-            <a:lvl6pPr marL="2286000" indent="0">
-              <a:buNone/>
-              <a:defRPr sz="2000"/>
+            <a:lvl6pPr marL="3048293" indent="0">
+              <a:buNone/>
+              <a:defRPr sz="2667"/>
             </a:lvl6pPr>
-            <a:lvl7pPr marL="2743200" indent="0">
-              <a:buNone/>
-              <a:defRPr sz="2000"/>
+            <a:lvl7pPr marL="3657950" indent="0">
+              <a:buNone/>
+              <a:defRPr sz="2667"/>
             </a:lvl7pPr>
-            <a:lvl8pPr marL="3200400" indent="0">
-              <a:buNone/>
-              <a:defRPr sz="2000"/>
+            <a:lvl8pPr marL="4267610" indent="0">
+              <a:buNone/>
+              <a:defRPr sz="2667"/>
             </a:lvl8pPr>
-            <a:lvl9pPr marL="3657600" indent="0">
-              <a:buNone/>
-              <a:defRPr sz="2000"/>
+            <a:lvl9pPr marL="4877268" indent="0">
+              <a:buNone/>
+              <a:defRPr sz="2667"/>
             </a:lvl9pPr>
           </a:lstStyle>
           <a:p>
-            <a:endParaRPr kumimoji="1" lang="zh-CN" altLang="en-US"/>
-          </a:p>
-        </p:txBody>
-      </p:sp>
-      <p:sp>
-        <p:nvSpPr>
-          <p:cNvPr id="4" name="文本占位符 3">
-            <a:extLst>
-              <a:ext uri="{FF2B5EF4-FFF2-40B4-BE49-F238E27FC236}">
-                <a16:creationId xmlns:a16="http://schemas.microsoft.com/office/drawing/2014/main" id="{931C8841-6DD9-2F2B-CC93-BA3E4F425AF0}"/>
-              </a:ext>
-            </a:extLst>
-          </p:cNvPr>
+            <a:r>
+              <a:rPr lang="zh-CN" altLang="en-US"/>
+              <a:t>单击图标添加图片</a:t>
+            </a:r>
+            <a:endParaRPr lang="en-US" dirty="0"/>
+          </a:p>
+        </p:txBody>
+      </p:sp>
+      <p:sp>
+        <p:nvSpPr>
+          <p:cNvPr id="4" name="Text Placeholder 3"/>
           <p:cNvSpPr>
             <a:spLocks noGrp="1"/>
           </p:cNvSpPr>
@@ -2587,8 +2283,8 @@
         </p:nvSpPr>
         <p:spPr>
           <a:xfrm>
-            <a:off x="839788" y="2057400"/>
-            <a:ext cx="3932237" cy="3811588"/>
+            <a:off x="839792" y="3245168"/>
+            <a:ext cx="3932237" cy="6012073"/>
           </a:xfrm>
         </p:spPr>
         <p:txBody>
@@ -2596,45 +2292,45 @@
           <a:lstStyle>
             <a:lvl1pPr marL="0" indent="0">
               <a:buNone/>
-              <a:defRPr sz="1600"/>
+              <a:defRPr sz="2133"/>
             </a:lvl1pPr>
-            <a:lvl2pPr marL="457200" indent="0">
-              <a:buNone/>
-              <a:defRPr sz="1400"/>
+            <a:lvl2pPr marL="609660" indent="0">
+              <a:buNone/>
+              <a:defRPr sz="1868"/>
             </a:lvl2pPr>
-            <a:lvl3pPr marL="914400" indent="0">
-              <a:buNone/>
-              <a:defRPr sz="1200"/>
+            <a:lvl3pPr marL="1219318" indent="0">
+              <a:buNone/>
+              <a:defRPr sz="1599"/>
             </a:lvl3pPr>
-            <a:lvl4pPr marL="1371600" indent="0">
-              <a:buNone/>
-              <a:defRPr sz="1000"/>
+            <a:lvl4pPr marL="1828976" indent="0">
+              <a:buNone/>
+              <a:defRPr sz="1333"/>
             </a:lvl4pPr>
-            <a:lvl5pPr marL="1828800" indent="0">
-              <a:buNone/>
-              <a:defRPr sz="1000"/>
+            <a:lvl5pPr marL="2438634" indent="0">
+              <a:buNone/>
+              <a:defRPr sz="1333"/>
             </a:lvl5pPr>
-            <a:lvl6pPr marL="2286000" indent="0">
-              <a:buNone/>
-              <a:defRPr sz="1000"/>
+            <a:lvl6pPr marL="3048293" indent="0">
+              <a:buNone/>
+              <a:defRPr sz="1333"/>
             </a:lvl6pPr>
-            <a:lvl7pPr marL="2743200" indent="0">
-              <a:buNone/>
-              <a:defRPr sz="1000"/>
+            <a:lvl7pPr marL="3657950" indent="0">
+              <a:buNone/>
+              <a:defRPr sz="1333"/>
             </a:lvl7pPr>
-            <a:lvl8pPr marL="3200400" indent="0">
-              <a:buNone/>
-              <a:defRPr sz="1000"/>
+            <a:lvl8pPr marL="4267610" indent="0">
+              <a:buNone/>
+              <a:defRPr sz="1333"/>
             </a:lvl8pPr>
-            <a:lvl9pPr marL="3657600" indent="0">
-              <a:buNone/>
-              <a:defRPr sz="1000"/>
+            <a:lvl9pPr marL="4877268" indent="0">
+              <a:buNone/>
+              <a:defRPr sz="1333"/>
             </a:lvl9pPr>
           </a:lstStyle>
           <a:p>
             <a:pPr lvl="0"/>
             <a:r>
-              <a:rPr kumimoji="1" lang="zh-CN" altLang="en-US"/>
+              <a:rPr lang="zh-CN" altLang="en-US"/>
               <a:t>单击此处编辑母版文本样式</a:t>
             </a:r>
           </a:p>
@@ -2642,13 +2338,7 @@
       </p:sp>
       <p:sp>
         <p:nvSpPr>
-          <p:cNvPr id="5" name="日期占位符 4">
-            <a:extLst>
-              <a:ext uri="{FF2B5EF4-FFF2-40B4-BE49-F238E27FC236}">
-                <a16:creationId xmlns:a16="http://schemas.microsoft.com/office/drawing/2014/main" id="{5D74C17F-5618-E857-9FD7-C5ECB8F079C9}"/>
-              </a:ext>
-            </a:extLst>
-          </p:cNvPr>
+          <p:cNvPr id="5" name="Date Placeholder 4"/>
           <p:cNvSpPr>
             <a:spLocks noGrp="1"/>
           </p:cNvSpPr>
@@ -2663,7 +2353,7 @@
           <a:p>
             <a:fld id="{536F080D-0ECA-3942-B61E-D2ADCC91C531}" type="datetimeFigureOut">
               <a:rPr kumimoji="1" lang="zh-CN" altLang="en-US" smtClean="0"/>
-              <a:t>2023/8/29</a:t>
+              <a:t>2023/9/6</a:t>
             </a:fld>
             <a:endParaRPr kumimoji="1" lang="zh-CN" altLang="en-US"/>
           </a:p>
@@ -2671,13 +2361,7 @@
       </p:sp>
       <p:sp>
         <p:nvSpPr>
-          <p:cNvPr id="6" name="页脚占位符 5">
-            <a:extLst>
-              <a:ext uri="{FF2B5EF4-FFF2-40B4-BE49-F238E27FC236}">
-                <a16:creationId xmlns:a16="http://schemas.microsoft.com/office/drawing/2014/main" id="{B7EC02C5-89D6-02A1-25E2-01FB0839E6ED}"/>
-              </a:ext>
-            </a:extLst>
-          </p:cNvPr>
+          <p:cNvPr id="6" name="Footer Placeholder 5"/>
           <p:cNvSpPr>
             <a:spLocks noGrp="1"/>
           </p:cNvSpPr>
@@ -2696,13 +2380,7 @@
       </p:sp>
       <p:sp>
         <p:nvSpPr>
-          <p:cNvPr id="7" name="灯片编号占位符 6">
-            <a:extLst>
-              <a:ext uri="{FF2B5EF4-FFF2-40B4-BE49-F238E27FC236}">
-                <a16:creationId xmlns:a16="http://schemas.microsoft.com/office/drawing/2014/main" id="{2E148BEB-E9AA-A926-5ADA-F2010BA81A33}"/>
-              </a:ext>
-            </a:extLst>
-          </p:cNvPr>
+          <p:cNvPr id="7" name="Slide Number Placeholder 6"/>
           <p:cNvSpPr>
             <a:spLocks noGrp="1"/>
           </p:cNvSpPr>
@@ -2726,7 +2404,7 @@
     </p:spTree>
     <p:extLst>
       <p:ext uri="{BB962C8B-B14F-4D97-AF65-F5344CB8AC3E}">
-        <p14:creationId xmlns:p14="http://schemas.microsoft.com/office/powerpoint/2010/main" val="1498431826"/>
+        <p14:creationId xmlns:p14="http://schemas.microsoft.com/office/powerpoint/2010/main" val="2512722313"/>
       </p:ext>
     </p:extLst>
   </p:cSld>
@@ -2760,13 +2438,7 @@
       </p:grpSpPr>
       <p:sp>
         <p:nvSpPr>
-          <p:cNvPr id="2" name="标题占位符 1">
-            <a:extLst>
-              <a:ext uri="{FF2B5EF4-FFF2-40B4-BE49-F238E27FC236}">
-                <a16:creationId xmlns:a16="http://schemas.microsoft.com/office/drawing/2014/main" id="{AF10350B-5D75-03D3-C760-50A5AA90CB16}"/>
-              </a:ext>
-            </a:extLst>
-          </p:cNvPr>
+          <p:cNvPr id="2" name="Title Placeholder 1"/>
           <p:cNvSpPr>
             <a:spLocks noGrp="1"/>
           </p:cNvSpPr>
@@ -2776,8 +2448,8 @@
         </p:nvSpPr>
         <p:spPr>
           <a:xfrm>
-            <a:off x="838200" y="365125"/>
-            <a:ext cx="10515600" cy="1325563"/>
+            <a:off x="838200" y="575922"/>
+            <a:ext cx="10515600" cy="2090829"/>
           </a:xfrm>
           <a:prstGeom prst="rect">
             <a:avLst/>
@@ -2790,21 +2462,16 @@
           <a:lstStyle/>
           <a:p>
             <a:r>
-              <a:rPr kumimoji="1" lang="zh-CN" altLang="en-US"/>
+              <a:rPr lang="zh-CN" altLang="en-US"/>
               <a:t>单击此处编辑母版标题样式</a:t>
             </a:r>
-          </a:p>
-        </p:txBody>
-      </p:sp>
-      <p:sp>
-        <p:nvSpPr>
-          <p:cNvPr id="3" name="文本占位符 2">
-            <a:extLst>
-              <a:ext uri="{FF2B5EF4-FFF2-40B4-BE49-F238E27FC236}">
-                <a16:creationId xmlns:a16="http://schemas.microsoft.com/office/drawing/2014/main" id="{06791ED8-6BEB-D077-0B6C-390EE956BC12}"/>
-              </a:ext>
-            </a:extLst>
-          </p:cNvPr>
+            <a:endParaRPr lang="en-US" dirty="0"/>
+          </a:p>
+        </p:txBody>
+      </p:sp>
+      <p:sp>
+        <p:nvSpPr>
+          <p:cNvPr id="3" name="Text Placeholder 2"/>
           <p:cNvSpPr>
             <a:spLocks noGrp="1"/>
           </p:cNvSpPr>
@@ -2814,8 +2481,8 @@
         </p:nvSpPr>
         <p:spPr>
           <a:xfrm>
-            <a:off x="838200" y="1825625"/>
-            <a:ext cx="10515600" cy="4351338"/>
+            <a:off x="838200" y="2879585"/>
+            <a:ext cx="10515600" cy="6863431"/>
           </a:xfrm>
           <a:prstGeom prst="rect">
             <a:avLst/>
@@ -2829,49 +2496,44 @@
           <a:p>
             <a:pPr lvl="0"/>
             <a:r>
-              <a:rPr kumimoji="1" lang="zh-CN" altLang="en-US"/>
+              <a:rPr lang="zh-CN" altLang="en-US"/>
               <a:t>单击此处编辑母版文本样式</a:t>
             </a:r>
           </a:p>
           <a:p>
             <a:pPr lvl="1"/>
             <a:r>
-              <a:rPr kumimoji="1" lang="zh-CN" altLang="en-US"/>
+              <a:rPr lang="zh-CN" altLang="en-US"/>
               <a:t>二级</a:t>
             </a:r>
           </a:p>
           <a:p>
             <a:pPr lvl="2"/>
             <a:r>
-              <a:rPr kumimoji="1" lang="zh-CN" altLang="en-US"/>
+              <a:rPr lang="zh-CN" altLang="en-US"/>
               <a:t>三级</a:t>
             </a:r>
           </a:p>
           <a:p>
             <a:pPr lvl="3"/>
             <a:r>
-              <a:rPr kumimoji="1" lang="zh-CN" altLang="en-US"/>
+              <a:rPr lang="zh-CN" altLang="en-US"/>
               <a:t>四级</a:t>
             </a:r>
           </a:p>
           <a:p>
             <a:pPr lvl="4"/>
             <a:r>
-              <a:rPr kumimoji="1" lang="zh-CN" altLang="en-US"/>
+              <a:rPr lang="zh-CN" altLang="en-US"/>
               <a:t>五级</a:t>
             </a:r>
-          </a:p>
-        </p:txBody>
-      </p:sp>
-      <p:sp>
-        <p:nvSpPr>
-          <p:cNvPr id="4" name="日期占位符 3">
-            <a:extLst>
-              <a:ext uri="{FF2B5EF4-FFF2-40B4-BE49-F238E27FC236}">
-                <a16:creationId xmlns:a16="http://schemas.microsoft.com/office/drawing/2014/main" id="{065800AE-0294-F749-3390-E7A319ACA06C}"/>
-              </a:ext>
-            </a:extLst>
-          </p:cNvPr>
+            <a:endParaRPr lang="en-US" dirty="0"/>
+          </a:p>
+        </p:txBody>
+      </p:sp>
+      <p:sp>
+        <p:nvSpPr>
+          <p:cNvPr id="4" name="Date Placeholder 3"/>
           <p:cNvSpPr>
             <a:spLocks noGrp="1"/>
           </p:cNvSpPr>
@@ -2881,8 +2543,8 @@
         </p:nvSpPr>
         <p:spPr>
           <a:xfrm>
-            <a:off x="838200" y="6356350"/>
-            <a:ext cx="2743200" cy="365125"/>
+            <a:off x="838200" y="10025969"/>
+            <a:ext cx="2743200" cy="575916"/>
           </a:xfrm>
           <a:prstGeom prst="rect">
             <a:avLst/>
@@ -2892,7 +2554,7 @@
           <a:bodyPr vert="horz" lIns="91440" tIns="45720" rIns="91440" bIns="45720" rtlCol="0" anchor="ctr"/>
           <a:lstStyle>
             <a:lvl1pPr algn="l">
-              <a:defRPr sz="1200">
+              <a:defRPr sz="1599">
                 <a:solidFill>
                   <a:schemeClr val="tx1">
                     <a:tint val="75000"/>
@@ -2904,7 +2566,7 @@
           <a:p>
             <a:fld id="{536F080D-0ECA-3942-B61E-D2ADCC91C531}" type="datetimeFigureOut">
               <a:rPr kumimoji="1" lang="zh-CN" altLang="en-US" smtClean="0"/>
-              <a:t>2023/8/29</a:t>
+              <a:t>2023/9/6</a:t>
             </a:fld>
             <a:endParaRPr kumimoji="1" lang="zh-CN" altLang="en-US"/>
           </a:p>
@@ -2912,13 +2574,7 @@
       </p:sp>
       <p:sp>
         <p:nvSpPr>
-          <p:cNvPr id="5" name="页脚占位符 4">
-            <a:extLst>
-              <a:ext uri="{FF2B5EF4-FFF2-40B4-BE49-F238E27FC236}">
-                <a16:creationId xmlns:a16="http://schemas.microsoft.com/office/drawing/2014/main" id="{0A40AD05-3871-65E8-2088-3EB10BE2144D}"/>
-              </a:ext>
-            </a:extLst>
-          </p:cNvPr>
+          <p:cNvPr id="5" name="Footer Placeholder 4"/>
           <p:cNvSpPr>
             <a:spLocks noGrp="1"/>
           </p:cNvSpPr>
@@ -2928,8 +2584,8 @@
         </p:nvSpPr>
         <p:spPr>
           <a:xfrm>
-            <a:off x="4038600" y="6356350"/>
-            <a:ext cx="4114800" cy="365125"/>
+            <a:off x="4038600" y="10025969"/>
+            <a:ext cx="4114800" cy="575916"/>
           </a:xfrm>
           <a:prstGeom prst="rect">
             <a:avLst/>
@@ -2939,7 +2595,7 @@
           <a:bodyPr vert="horz" lIns="91440" tIns="45720" rIns="91440" bIns="45720" rtlCol="0" anchor="ctr"/>
           <a:lstStyle>
             <a:lvl1pPr algn="ctr">
-              <a:defRPr sz="1200">
+              <a:defRPr sz="1599">
                 <a:solidFill>
                   <a:schemeClr val="tx1">
                     <a:tint val="75000"/>
@@ -2955,13 +2611,7 @@
       </p:sp>
       <p:sp>
         <p:nvSpPr>
-          <p:cNvPr id="6" name="灯片编号占位符 5">
-            <a:extLst>
-              <a:ext uri="{FF2B5EF4-FFF2-40B4-BE49-F238E27FC236}">
-                <a16:creationId xmlns:a16="http://schemas.microsoft.com/office/drawing/2014/main" id="{F2D1145A-6E98-AA30-B60E-76C9A4235A8A}"/>
-              </a:ext>
-            </a:extLst>
-          </p:cNvPr>
+          <p:cNvPr id="6" name="Slide Number Placeholder 5"/>
           <p:cNvSpPr>
             <a:spLocks noGrp="1"/>
           </p:cNvSpPr>
@@ -2971,8 +2621,8 @@
         </p:nvSpPr>
         <p:spPr>
           <a:xfrm>
-            <a:off x="8610600" y="6356350"/>
-            <a:ext cx="2743200" cy="365125"/>
+            <a:off x="8610600" y="10025969"/>
+            <a:ext cx="2743200" cy="575916"/>
           </a:xfrm>
           <a:prstGeom prst="rect">
             <a:avLst/>
@@ -2982,7 +2632,7 @@
           <a:bodyPr vert="horz" lIns="91440" tIns="45720" rIns="91440" bIns="45720" rtlCol="0" anchor="ctr"/>
           <a:lstStyle>
             <a:lvl1pPr algn="r">
-              <a:defRPr sz="1200">
+              <a:defRPr sz="1599">
                 <a:solidFill>
                   <a:schemeClr val="tx1">
                     <a:tint val="75000"/>
@@ -3003,27 +2653,27 @@
     </p:spTree>
     <p:extLst>
       <p:ext uri="{BB962C8B-B14F-4D97-AF65-F5344CB8AC3E}">
-        <p14:creationId xmlns:p14="http://schemas.microsoft.com/office/powerpoint/2010/main" val="48025038"/>
+        <p14:creationId xmlns:p14="http://schemas.microsoft.com/office/powerpoint/2010/main" val="2349100497"/>
       </p:ext>
     </p:extLst>
   </p:cSld>
   <p:clrMap bg1="lt1" tx1="dk1" bg2="lt2" tx2="dk2" accent1="accent1" accent2="accent2" accent3="accent3" accent4="accent4" accent5="accent5" accent6="accent6" hlink="hlink" folHlink="folHlink"/>
   <p:sldLayoutIdLst>
-    <p:sldLayoutId id="2147483649" r:id="rId1"/>
-    <p:sldLayoutId id="2147483650" r:id="rId2"/>
-    <p:sldLayoutId id="2147483651" r:id="rId3"/>
-    <p:sldLayoutId id="2147483652" r:id="rId4"/>
-    <p:sldLayoutId id="2147483653" r:id="rId5"/>
-    <p:sldLayoutId id="2147483654" r:id="rId6"/>
-    <p:sldLayoutId id="2147483655" r:id="rId7"/>
-    <p:sldLayoutId id="2147483656" r:id="rId8"/>
-    <p:sldLayoutId id="2147483657" r:id="rId9"/>
-    <p:sldLayoutId id="2147483658" r:id="rId10"/>
-    <p:sldLayoutId id="2147483659" r:id="rId11"/>
+    <p:sldLayoutId id="2147483661" r:id="rId1"/>
+    <p:sldLayoutId id="2147483662" r:id="rId2"/>
+    <p:sldLayoutId id="2147483663" r:id="rId3"/>
+    <p:sldLayoutId id="2147483664" r:id="rId4"/>
+    <p:sldLayoutId id="2147483665" r:id="rId5"/>
+    <p:sldLayoutId id="2147483666" r:id="rId6"/>
+    <p:sldLayoutId id="2147483667" r:id="rId7"/>
+    <p:sldLayoutId id="2147483668" r:id="rId8"/>
+    <p:sldLayoutId id="2147483669" r:id="rId9"/>
+    <p:sldLayoutId id="2147483670" r:id="rId10"/>
+    <p:sldLayoutId id="2147483671" r:id="rId11"/>
   </p:sldLayoutIdLst>
   <p:txStyles>
     <p:titleStyle>
-      <a:lvl1pPr algn="l" defTabSz="914400" rtl="0" eaLnBrk="1" latinLnBrk="0" hangingPunct="1">
+      <a:lvl1pPr algn="l" defTabSz="1219318" rtl="0" eaLnBrk="1" latinLnBrk="0" hangingPunct="1">
         <a:lnSpc>
           <a:spcPct val="90000"/>
         </a:lnSpc>
@@ -3031,7 +2681,7 @@
           <a:spcPct val="0"/>
         </a:spcBef>
         <a:buNone/>
-        <a:defRPr sz="4400" kern="1200">
+        <a:defRPr sz="5867" kern="1200">
           <a:solidFill>
             <a:schemeClr val="tx1"/>
           </a:solidFill>
@@ -3042,16 +2692,16 @@
       </a:lvl1pPr>
     </p:titleStyle>
     <p:bodyStyle>
-      <a:lvl1pPr marL="228600" indent="-228600" algn="l" defTabSz="914400" rtl="0" eaLnBrk="1" latinLnBrk="0" hangingPunct="1">
+      <a:lvl1pPr marL="304830" indent="-304830" algn="l" defTabSz="1219318" rtl="0" eaLnBrk="1" latinLnBrk="0" hangingPunct="1">
         <a:lnSpc>
           <a:spcPct val="90000"/>
         </a:lnSpc>
         <a:spcBef>
-          <a:spcPts val="1000"/>
+          <a:spcPts val="1333"/>
         </a:spcBef>
         <a:buFont typeface="Arial" panose="020B0604020202020204" pitchFamily="34" charset="0"/>
         <a:buChar char="•"/>
-        <a:defRPr sz="2800" kern="1200">
+        <a:defRPr sz="3734" kern="1200">
           <a:solidFill>
             <a:schemeClr val="tx1"/>
           </a:solidFill>
@@ -3060,12 +2710,48 @@
           <a:cs typeface="+mn-cs"/>
         </a:defRPr>
       </a:lvl1pPr>
-      <a:lvl2pPr marL="685800" indent="-228600" algn="l" defTabSz="914400" rtl="0" eaLnBrk="1" latinLnBrk="0" hangingPunct="1">
+      <a:lvl2pPr marL="914488" indent="-304830" algn="l" defTabSz="1219318" rtl="0" eaLnBrk="1" latinLnBrk="0" hangingPunct="1">
         <a:lnSpc>
           <a:spcPct val="90000"/>
         </a:lnSpc>
         <a:spcBef>
-          <a:spcPts val="500"/>
+          <a:spcPts val="667"/>
+        </a:spcBef>
+        <a:buFont typeface="Arial" panose="020B0604020202020204" pitchFamily="34" charset="0"/>
+        <a:buChar char="•"/>
+        <a:defRPr sz="3200" kern="1200">
+          <a:solidFill>
+            <a:schemeClr val="tx1"/>
+          </a:solidFill>
+          <a:latin typeface="+mn-lt"/>
+          <a:ea typeface="+mn-ea"/>
+          <a:cs typeface="+mn-cs"/>
+        </a:defRPr>
+      </a:lvl2pPr>
+      <a:lvl3pPr marL="1524146" indent="-304830" algn="l" defTabSz="1219318" rtl="0" eaLnBrk="1" latinLnBrk="0" hangingPunct="1">
+        <a:lnSpc>
+          <a:spcPct val="90000"/>
+        </a:lnSpc>
+        <a:spcBef>
+          <a:spcPts val="667"/>
+        </a:spcBef>
+        <a:buFont typeface="Arial" panose="020B0604020202020204" pitchFamily="34" charset="0"/>
+        <a:buChar char="•"/>
+        <a:defRPr sz="2667" kern="1200">
+          <a:solidFill>
+            <a:schemeClr val="tx1"/>
+          </a:solidFill>
+          <a:latin typeface="+mn-lt"/>
+          <a:ea typeface="+mn-ea"/>
+          <a:cs typeface="+mn-cs"/>
+        </a:defRPr>
+      </a:lvl3pPr>
+      <a:lvl4pPr marL="2133806" indent="-304830" algn="l" defTabSz="1219318" rtl="0" eaLnBrk="1" latinLnBrk="0" hangingPunct="1">
+        <a:lnSpc>
+          <a:spcPct val="90000"/>
+        </a:lnSpc>
+        <a:spcBef>
+          <a:spcPts val="667"/>
         </a:spcBef>
         <a:buFont typeface="Arial" panose="020B0604020202020204" pitchFamily="34" charset="0"/>
         <a:buChar char="•"/>
@@ -3077,53 +2763,17 @@
           <a:ea typeface="+mn-ea"/>
           <a:cs typeface="+mn-cs"/>
         </a:defRPr>
-      </a:lvl2pPr>
-      <a:lvl3pPr marL="1143000" indent="-228600" algn="l" defTabSz="914400" rtl="0" eaLnBrk="1" latinLnBrk="0" hangingPunct="1">
+      </a:lvl4pPr>
+      <a:lvl5pPr marL="2743464" indent="-304830" algn="l" defTabSz="1219318" rtl="0" eaLnBrk="1" latinLnBrk="0" hangingPunct="1">
         <a:lnSpc>
           <a:spcPct val="90000"/>
         </a:lnSpc>
         <a:spcBef>
-          <a:spcPts val="500"/>
+          <a:spcPts val="667"/>
         </a:spcBef>
         <a:buFont typeface="Arial" panose="020B0604020202020204" pitchFamily="34" charset="0"/>
         <a:buChar char="•"/>
-        <a:defRPr sz="2000" kern="1200">
-          <a:solidFill>
-            <a:schemeClr val="tx1"/>
-          </a:solidFill>
-          <a:latin typeface="+mn-lt"/>
-          <a:ea typeface="+mn-ea"/>
-          <a:cs typeface="+mn-cs"/>
-        </a:defRPr>
-      </a:lvl3pPr>
-      <a:lvl4pPr marL="1600200" indent="-228600" algn="l" defTabSz="914400" rtl="0" eaLnBrk="1" latinLnBrk="0" hangingPunct="1">
-        <a:lnSpc>
-          <a:spcPct val="90000"/>
-        </a:lnSpc>
-        <a:spcBef>
-          <a:spcPts val="500"/>
-        </a:spcBef>
-        <a:buFont typeface="Arial" panose="020B0604020202020204" pitchFamily="34" charset="0"/>
-        <a:buChar char="•"/>
-        <a:defRPr sz="1800" kern="1200">
-          <a:solidFill>
-            <a:schemeClr val="tx1"/>
-          </a:solidFill>
-          <a:latin typeface="+mn-lt"/>
-          <a:ea typeface="+mn-ea"/>
-          <a:cs typeface="+mn-cs"/>
-        </a:defRPr>
-      </a:lvl4pPr>
-      <a:lvl5pPr marL="2057400" indent="-228600" algn="l" defTabSz="914400" rtl="0" eaLnBrk="1" latinLnBrk="0" hangingPunct="1">
-        <a:lnSpc>
-          <a:spcPct val="90000"/>
-        </a:lnSpc>
-        <a:spcBef>
-          <a:spcPts val="500"/>
-        </a:spcBef>
-        <a:buFont typeface="Arial" panose="020B0604020202020204" pitchFamily="34" charset="0"/>
-        <a:buChar char="•"/>
-        <a:defRPr sz="1800" kern="1200">
+        <a:defRPr sz="2400" kern="1200">
           <a:solidFill>
             <a:schemeClr val="tx1"/>
           </a:solidFill>
@@ -3132,16 +2782,16 @@
           <a:cs typeface="+mn-cs"/>
         </a:defRPr>
       </a:lvl5pPr>
-      <a:lvl6pPr marL="2514600" indent="-228600" algn="l" defTabSz="914400" rtl="0" eaLnBrk="1" latinLnBrk="0" hangingPunct="1">
+      <a:lvl6pPr marL="3353122" indent="-304830" algn="l" defTabSz="1219318" rtl="0" eaLnBrk="1" latinLnBrk="0" hangingPunct="1">
         <a:lnSpc>
           <a:spcPct val="90000"/>
         </a:lnSpc>
         <a:spcBef>
-          <a:spcPts val="500"/>
+          <a:spcPts val="667"/>
         </a:spcBef>
         <a:buFont typeface="Arial" panose="020B0604020202020204" pitchFamily="34" charset="0"/>
         <a:buChar char="•"/>
-        <a:defRPr sz="1800" kern="1200">
+        <a:defRPr sz="2400" kern="1200">
           <a:solidFill>
             <a:schemeClr val="tx1"/>
           </a:solidFill>
@@ -3150,16 +2800,16 @@
           <a:cs typeface="+mn-cs"/>
         </a:defRPr>
       </a:lvl6pPr>
-      <a:lvl7pPr marL="2971800" indent="-228600" algn="l" defTabSz="914400" rtl="0" eaLnBrk="1" latinLnBrk="0" hangingPunct="1">
+      <a:lvl7pPr marL="3962780" indent="-304830" algn="l" defTabSz="1219318" rtl="0" eaLnBrk="1" latinLnBrk="0" hangingPunct="1">
         <a:lnSpc>
           <a:spcPct val="90000"/>
         </a:lnSpc>
         <a:spcBef>
-          <a:spcPts val="500"/>
+          <a:spcPts val="667"/>
         </a:spcBef>
         <a:buFont typeface="Arial" panose="020B0604020202020204" pitchFamily="34" charset="0"/>
         <a:buChar char="•"/>
-        <a:defRPr sz="1800" kern="1200">
+        <a:defRPr sz="2400" kern="1200">
           <a:solidFill>
             <a:schemeClr val="tx1"/>
           </a:solidFill>
@@ -3168,16 +2818,16 @@
           <a:cs typeface="+mn-cs"/>
         </a:defRPr>
       </a:lvl7pPr>
-      <a:lvl8pPr marL="3429000" indent="-228600" algn="l" defTabSz="914400" rtl="0" eaLnBrk="1" latinLnBrk="0" hangingPunct="1">
+      <a:lvl8pPr marL="4572438" indent="-304830" algn="l" defTabSz="1219318" rtl="0" eaLnBrk="1" latinLnBrk="0" hangingPunct="1">
         <a:lnSpc>
           <a:spcPct val="90000"/>
         </a:lnSpc>
         <a:spcBef>
-          <a:spcPts val="500"/>
+          <a:spcPts val="667"/>
         </a:spcBef>
         <a:buFont typeface="Arial" panose="020B0604020202020204" pitchFamily="34" charset="0"/>
         <a:buChar char="•"/>
-        <a:defRPr sz="1800" kern="1200">
+        <a:defRPr sz="2400" kern="1200">
           <a:solidFill>
             <a:schemeClr val="tx1"/>
           </a:solidFill>
@@ -3186,16 +2836,16 @@
           <a:cs typeface="+mn-cs"/>
         </a:defRPr>
       </a:lvl8pPr>
-      <a:lvl9pPr marL="3886200" indent="-228600" algn="l" defTabSz="914400" rtl="0" eaLnBrk="1" latinLnBrk="0" hangingPunct="1">
+      <a:lvl9pPr marL="5182096" indent="-304830" algn="l" defTabSz="1219318" rtl="0" eaLnBrk="1" latinLnBrk="0" hangingPunct="1">
         <a:lnSpc>
           <a:spcPct val="90000"/>
         </a:lnSpc>
         <a:spcBef>
-          <a:spcPts val="500"/>
+          <a:spcPts val="667"/>
         </a:spcBef>
         <a:buFont typeface="Arial" panose="020B0604020202020204" pitchFamily="34" charset="0"/>
         <a:buChar char="•"/>
-        <a:defRPr sz="1800" kern="1200">
+        <a:defRPr sz="2400" kern="1200">
           <a:solidFill>
             <a:schemeClr val="tx1"/>
           </a:solidFill>
@@ -3207,10 +2857,10 @@
     </p:bodyStyle>
     <p:otherStyle>
       <a:defPPr>
-        <a:defRPr lang="zh-CN"/>
+        <a:defRPr lang="en-US"/>
       </a:defPPr>
-      <a:lvl1pPr marL="0" algn="l" defTabSz="914400" rtl="0" eaLnBrk="1" latinLnBrk="0" hangingPunct="1">
-        <a:defRPr sz="1800" kern="1200">
+      <a:lvl1pPr marL="0" algn="l" defTabSz="1219318" rtl="0" eaLnBrk="1" latinLnBrk="0" hangingPunct="1">
+        <a:defRPr sz="2400" kern="1200">
           <a:solidFill>
             <a:schemeClr val="tx1"/>
           </a:solidFill>
@@ -3219,8 +2869,8 @@
           <a:cs typeface="+mn-cs"/>
         </a:defRPr>
       </a:lvl1pPr>
-      <a:lvl2pPr marL="457200" algn="l" defTabSz="914400" rtl="0" eaLnBrk="1" latinLnBrk="0" hangingPunct="1">
-        <a:defRPr sz="1800" kern="1200">
+      <a:lvl2pPr marL="609660" algn="l" defTabSz="1219318" rtl="0" eaLnBrk="1" latinLnBrk="0" hangingPunct="1">
+        <a:defRPr sz="2400" kern="1200">
           <a:solidFill>
             <a:schemeClr val="tx1"/>
           </a:solidFill>
@@ -3229,8 +2879,8 @@
           <a:cs typeface="+mn-cs"/>
         </a:defRPr>
       </a:lvl2pPr>
-      <a:lvl3pPr marL="914400" algn="l" defTabSz="914400" rtl="0" eaLnBrk="1" latinLnBrk="0" hangingPunct="1">
-        <a:defRPr sz="1800" kern="1200">
+      <a:lvl3pPr marL="1219318" algn="l" defTabSz="1219318" rtl="0" eaLnBrk="1" latinLnBrk="0" hangingPunct="1">
+        <a:defRPr sz="2400" kern="1200">
           <a:solidFill>
             <a:schemeClr val="tx1"/>
           </a:solidFill>
@@ -3239,8 +2889,8 @@
           <a:cs typeface="+mn-cs"/>
         </a:defRPr>
       </a:lvl3pPr>
-      <a:lvl4pPr marL="1371600" algn="l" defTabSz="914400" rtl="0" eaLnBrk="1" latinLnBrk="0" hangingPunct="1">
-        <a:defRPr sz="1800" kern="1200">
+      <a:lvl4pPr marL="1828976" algn="l" defTabSz="1219318" rtl="0" eaLnBrk="1" latinLnBrk="0" hangingPunct="1">
+        <a:defRPr sz="2400" kern="1200">
           <a:solidFill>
             <a:schemeClr val="tx1"/>
           </a:solidFill>
@@ -3249,8 +2899,8 @@
           <a:cs typeface="+mn-cs"/>
         </a:defRPr>
       </a:lvl4pPr>
-      <a:lvl5pPr marL="1828800" algn="l" defTabSz="914400" rtl="0" eaLnBrk="1" latinLnBrk="0" hangingPunct="1">
-        <a:defRPr sz="1800" kern="1200">
+      <a:lvl5pPr marL="2438634" algn="l" defTabSz="1219318" rtl="0" eaLnBrk="1" latinLnBrk="0" hangingPunct="1">
+        <a:defRPr sz="2400" kern="1200">
           <a:solidFill>
             <a:schemeClr val="tx1"/>
           </a:solidFill>
@@ -3259,8 +2909,8 @@
           <a:cs typeface="+mn-cs"/>
         </a:defRPr>
       </a:lvl5pPr>
-      <a:lvl6pPr marL="2286000" algn="l" defTabSz="914400" rtl="0" eaLnBrk="1" latinLnBrk="0" hangingPunct="1">
-        <a:defRPr sz="1800" kern="1200">
+      <a:lvl6pPr marL="3048293" algn="l" defTabSz="1219318" rtl="0" eaLnBrk="1" latinLnBrk="0" hangingPunct="1">
+        <a:defRPr sz="2400" kern="1200">
           <a:solidFill>
             <a:schemeClr val="tx1"/>
           </a:solidFill>
@@ -3269,8 +2919,8 @@
           <a:cs typeface="+mn-cs"/>
         </a:defRPr>
       </a:lvl6pPr>
-      <a:lvl7pPr marL="2743200" algn="l" defTabSz="914400" rtl="0" eaLnBrk="1" latinLnBrk="0" hangingPunct="1">
-        <a:defRPr sz="1800" kern="1200">
+      <a:lvl7pPr marL="3657950" algn="l" defTabSz="1219318" rtl="0" eaLnBrk="1" latinLnBrk="0" hangingPunct="1">
+        <a:defRPr sz="2400" kern="1200">
           <a:solidFill>
             <a:schemeClr val="tx1"/>
           </a:solidFill>
@@ -3279,8 +2929,8 @@
           <a:cs typeface="+mn-cs"/>
         </a:defRPr>
       </a:lvl7pPr>
-      <a:lvl8pPr marL="3200400" algn="l" defTabSz="914400" rtl="0" eaLnBrk="1" latinLnBrk="0" hangingPunct="1">
-        <a:defRPr sz="1800" kern="1200">
+      <a:lvl8pPr marL="4267610" algn="l" defTabSz="1219318" rtl="0" eaLnBrk="1" latinLnBrk="0" hangingPunct="1">
+        <a:defRPr sz="2400" kern="1200">
           <a:solidFill>
             <a:schemeClr val="tx1"/>
           </a:solidFill>
@@ -3289,8 +2939,8 @@
           <a:cs typeface="+mn-cs"/>
         </a:defRPr>
       </a:lvl8pPr>
-      <a:lvl9pPr marL="3657600" algn="l" defTabSz="914400" rtl="0" eaLnBrk="1" latinLnBrk="0" hangingPunct="1">
-        <a:defRPr sz="1800" kern="1200">
+      <a:lvl9pPr marL="4877268" algn="l" defTabSz="1219318" rtl="0" eaLnBrk="1" latinLnBrk="0" hangingPunct="1">
+        <a:defRPr sz="2400" kern="1200">
           <a:solidFill>
             <a:schemeClr val="tx1"/>
           </a:solidFill>
@@ -3343,7 +2993,7 @@
         </p:blipFill>
         <p:spPr>
           <a:xfrm>
-            <a:off x="582969" y="1180999"/>
+            <a:off x="2218465" y="1293547"/>
             <a:ext cx="3382088" cy="2987618"/>
           </a:xfrm>
           <a:prstGeom prst="rect">
@@ -3373,7 +3023,7 @@
         </p:blipFill>
         <p:spPr>
           <a:xfrm>
-            <a:off x="4325037" y="1180999"/>
+            <a:off x="5960535" y="1293547"/>
             <a:ext cx="3541925" cy="2987618"/>
           </a:xfrm>
           <a:prstGeom prst="rect">
@@ -3403,8 +3053,8 @@
         </p:blipFill>
         <p:spPr>
           <a:xfrm>
-            <a:off x="8226942" y="1180999"/>
-            <a:ext cx="3298966" cy="2987618"/>
+            <a:off x="4144471" y="4887352"/>
+            <a:ext cx="3298965" cy="2987618"/>
           </a:xfrm>
           <a:prstGeom prst="rect">
             <a:avLst/>
@@ -3425,8 +3075,8 @@
         </p:nvSpPr>
         <p:spPr>
           <a:xfrm>
-            <a:off x="582969" y="691772"/>
-            <a:ext cx="3389970" cy="369332"/>
+            <a:off x="2218466" y="804318"/>
+            <a:ext cx="3389971" cy="369653"/>
           </a:xfrm>
           <a:prstGeom prst="rect">
             <a:avLst/>
@@ -3440,56 +3090,56 @@
           <a:lstStyle/>
           <a:p>
             <a:r>
-              <a:rPr kumimoji="1" lang="en-US" altLang="zh-CN" b="1" dirty="0">
+              <a:rPr kumimoji="1" lang="en-US" altLang="zh-CN" sz="1802" b="1" dirty="0">
                 <a:latin typeface="Times New Roman" panose="02020603050405020304" pitchFamily="18" charset="0"/>
                 <a:cs typeface="Times New Roman" panose="02020603050405020304" pitchFamily="18" charset="0"/>
               </a:rPr>
               <a:t>Step</a:t>
             </a:r>
             <a:r>
-              <a:rPr kumimoji="1" lang="zh-CN" altLang="en-US" b="1" dirty="0">
+              <a:rPr kumimoji="1" lang="zh-CN" altLang="en-US" sz="1802" b="1" dirty="0">
                 <a:latin typeface="Times New Roman" panose="02020603050405020304" pitchFamily="18" charset="0"/>
                 <a:cs typeface="Times New Roman" panose="02020603050405020304" pitchFamily="18" charset="0"/>
               </a:rPr>
               <a:t> </a:t>
             </a:r>
             <a:r>
-              <a:rPr kumimoji="1" lang="en-US" altLang="zh-CN" b="1" dirty="0">
+              <a:rPr kumimoji="1" lang="en-US" altLang="zh-CN" sz="1802" b="1" dirty="0">
                 <a:latin typeface="Times New Roman" panose="02020603050405020304" pitchFamily="18" charset="0"/>
                 <a:cs typeface="Times New Roman" panose="02020603050405020304" pitchFamily="18" charset="0"/>
               </a:rPr>
               <a:t>1:</a:t>
             </a:r>
             <a:r>
-              <a:rPr kumimoji="1" lang="zh-CN" altLang="en-US" b="1" dirty="0">
+              <a:rPr kumimoji="1" lang="zh-CN" altLang="en-US" sz="1802" b="1" dirty="0">
                 <a:latin typeface="Times New Roman" panose="02020603050405020304" pitchFamily="18" charset="0"/>
                 <a:cs typeface="Times New Roman" panose="02020603050405020304" pitchFamily="18" charset="0"/>
               </a:rPr>
               <a:t> </a:t>
             </a:r>
             <a:r>
-              <a:rPr kumimoji="1" lang="en-US" altLang="zh-CN" b="1" dirty="0">
+              <a:rPr kumimoji="1" lang="en-US" altLang="zh-CN" sz="1802" b="1" dirty="0">
                 <a:latin typeface="Times New Roman" panose="02020603050405020304" pitchFamily="18" charset="0"/>
                 <a:cs typeface="Times New Roman" panose="02020603050405020304" pitchFamily="18" charset="0"/>
               </a:rPr>
               <a:t>Define</a:t>
             </a:r>
             <a:r>
-              <a:rPr kumimoji="1" lang="zh-CN" altLang="en-US" b="1" dirty="0">
+              <a:rPr kumimoji="1" lang="zh-CN" altLang="en-US" sz="1802" b="1" dirty="0">
                 <a:latin typeface="Times New Roman" panose="02020603050405020304" pitchFamily="18" charset="0"/>
                 <a:cs typeface="Times New Roman" panose="02020603050405020304" pitchFamily="18" charset="0"/>
               </a:rPr>
               <a:t> </a:t>
             </a:r>
             <a:r>
-              <a:rPr kumimoji="1" lang="en-US" altLang="zh-CN" b="1" dirty="0">
+              <a:rPr kumimoji="1" lang="en-US" altLang="zh-CN" sz="1802" b="1" dirty="0">
                 <a:latin typeface="Times New Roman" panose="02020603050405020304" pitchFamily="18" charset="0"/>
                 <a:cs typeface="Times New Roman" panose="02020603050405020304" pitchFamily="18" charset="0"/>
               </a:rPr>
               <a:t>Vertices</a:t>
             </a:r>
             <a:r>
-              <a:rPr kumimoji="1" lang="zh-CN" altLang="en-US" b="1" dirty="0">
+              <a:rPr kumimoji="1" lang="zh-CN" altLang="en-US" sz="1802" b="1" dirty="0">
                 <a:latin typeface="Times New Roman" panose="02020603050405020304" pitchFamily="18" charset="0"/>
                 <a:cs typeface="Times New Roman" panose="02020603050405020304" pitchFamily="18" charset="0"/>
               </a:rPr>
@@ -3512,8 +3162,8 @@
         </p:nvSpPr>
         <p:spPr>
           <a:xfrm>
-            <a:off x="4325037" y="691772"/>
-            <a:ext cx="3389970" cy="369332"/>
+            <a:off x="5960535" y="804318"/>
+            <a:ext cx="3389971" cy="369653"/>
           </a:xfrm>
           <a:prstGeom prst="rect">
             <a:avLst/>
@@ -3527,55 +3177,55 @@
           <a:lstStyle/>
           <a:p>
             <a:r>
-              <a:rPr kumimoji="1" lang="en-US" altLang="zh-CN" b="1" dirty="0">
+              <a:rPr kumimoji="1" lang="en-US" altLang="zh-CN" sz="1802" b="1" dirty="0">
                 <a:latin typeface="Times New Roman" panose="02020603050405020304" pitchFamily="18" charset="0"/>
                 <a:cs typeface="Times New Roman" panose="02020603050405020304" pitchFamily="18" charset="0"/>
               </a:rPr>
               <a:t>Step</a:t>
             </a:r>
             <a:r>
-              <a:rPr kumimoji="1" lang="zh-CN" altLang="en-US" b="1" dirty="0">
+              <a:rPr kumimoji="1" lang="zh-CN" altLang="en-US" sz="1802" b="1" dirty="0">
                 <a:latin typeface="Times New Roman" panose="02020603050405020304" pitchFamily="18" charset="0"/>
                 <a:cs typeface="Times New Roman" panose="02020603050405020304" pitchFamily="18" charset="0"/>
               </a:rPr>
               <a:t> </a:t>
             </a:r>
             <a:r>
-              <a:rPr kumimoji="1" lang="en-US" altLang="zh-CN" b="1" dirty="0">
+              <a:rPr kumimoji="1" lang="en-US" altLang="zh-CN" sz="1802" b="1" dirty="0">
                 <a:latin typeface="Times New Roman" panose="02020603050405020304" pitchFamily="18" charset="0"/>
                 <a:cs typeface="Times New Roman" panose="02020603050405020304" pitchFamily="18" charset="0"/>
               </a:rPr>
               <a:t>2:</a:t>
             </a:r>
             <a:r>
-              <a:rPr kumimoji="1" lang="zh-CN" altLang="en-US" b="1" dirty="0">
+              <a:rPr kumimoji="1" lang="zh-CN" altLang="en-US" sz="1802" b="1" dirty="0">
                 <a:latin typeface="Times New Roman" panose="02020603050405020304" pitchFamily="18" charset="0"/>
                 <a:cs typeface="Times New Roman" panose="02020603050405020304" pitchFamily="18" charset="0"/>
               </a:rPr>
               <a:t> </a:t>
             </a:r>
             <a:r>
-              <a:rPr kumimoji="1" lang="en-US" altLang="zh-CN" b="1" dirty="0">
+              <a:rPr kumimoji="1" lang="en-US" altLang="zh-CN" sz="1802" b="1" dirty="0">
                 <a:latin typeface="Times New Roman" panose="02020603050405020304" pitchFamily="18" charset="0"/>
                 <a:cs typeface="Times New Roman" panose="02020603050405020304" pitchFamily="18" charset="0"/>
               </a:rPr>
               <a:t>Define</a:t>
             </a:r>
             <a:r>
-              <a:rPr kumimoji="1" lang="zh-CN" altLang="en-US" b="1" dirty="0">
+              <a:rPr kumimoji="1" lang="zh-CN" altLang="en-US" sz="1802" b="1" dirty="0">
                 <a:latin typeface="Times New Roman" panose="02020603050405020304" pitchFamily="18" charset="0"/>
                 <a:cs typeface="Times New Roman" panose="02020603050405020304" pitchFamily="18" charset="0"/>
               </a:rPr>
               <a:t> </a:t>
             </a:r>
             <a:r>
-              <a:rPr kumimoji="1" lang="en-US" altLang="zh-CN" b="1" dirty="0">
+              <a:rPr kumimoji="1" lang="en-US" altLang="zh-CN" sz="1802" b="1" dirty="0">
                 <a:latin typeface="Times New Roman" panose="02020603050405020304" pitchFamily="18" charset="0"/>
                 <a:cs typeface="Times New Roman" panose="02020603050405020304" pitchFamily="18" charset="0"/>
               </a:rPr>
               <a:t>Circles</a:t>
             </a:r>
-            <a:endParaRPr kumimoji="1" lang="zh-CN" altLang="en-US" b="1" dirty="0">
+            <a:endParaRPr kumimoji="1" lang="zh-CN" altLang="en-US" sz="1802" b="1" dirty="0">
               <a:latin typeface="Times New Roman" panose="02020603050405020304" pitchFamily="18" charset="0"/>
               <a:cs typeface="Times New Roman" panose="02020603050405020304" pitchFamily="18" charset="0"/>
             </a:endParaRPr>
@@ -3596,8 +3246,8 @@
         </p:nvSpPr>
         <p:spPr>
           <a:xfrm>
-            <a:off x="8226942" y="691772"/>
-            <a:ext cx="3389970" cy="369332"/>
+            <a:off x="4144470" y="4398126"/>
+            <a:ext cx="3389971" cy="369653"/>
           </a:xfrm>
           <a:prstGeom prst="rect">
             <a:avLst/>
@@ -3611,83 +3261,83 @@
           <a:lstStyle/>
           <a:p>
             <a:r>
-              <a:rPr kumimoji="1" lang="en-US" altLang="zh-CN" b="1" dirty="0">
+              <a:rPr kumimoji="1" lang="en-US" altLang="zh-CN" sz="1802" b="1" dirty="0">
                 <a:latin typeface="Times New Roman" panose="02020603050405020304" pitchFamily="18" charset="0"/>
                 <a:cs typeface="Times New Roman" panose="02020603050405020304" pitchFamily="18" charset="0"/>
               </a:rPr>
               <a:t>Step</a:t>
             </a:r>
             <a:r>
-              <a:rPr kumimoji="1" lang="zh-CN" altLang="en-US" b="1" dirty="0">
+              <a:rPr kumimoji="1" lang="zh-CN" altLang="en-US" sz="1802" b="1" dirty="0">
                 <a:latin typeface="Times New Roman" panose="02020603050405020304" pitchFamily="18" charset="0"/>
                 <a:cs typeface="Times New Roman" panose="02020603050405020304" pitchFamily="18" charset="0"/>
               </a:rPr>
               <a:t> </a:t>
             </a:r>
             <a:r>
-              <a:rPr kumimoji="1" lang="en-US" altLang="zh-CN" b="1" dirty="0">
+              <a:rPr kumimoji="1" lang="en-US" altLang="zh-CN" sz="1802" b="1" dirty="0">
                 <a:latin typeface="Times New Roman" panose="02020603050405020304" pitchFamily="18" charset="0"/>
                 <a:cs typeface="Times New Roman" panose="02020603050405020304" pitchFamily="18" charset="0"/>
               </a:rPr>
               <a:t>3:</a:t>
             </a:r>
             <a:r>
-              <a:rPr kumimoji="1" lang="zh-CN" altLang="en-US" b="1" dirty="0">
+              <a:rPr kumimoji="1" lang="zh-CN" altLang="en-US" sz="1802" b="1" dirty="0">
                 <a:latin typeface="Times New Roman" panose="02020603050405020304" pitchFamily="18" charset="0"/>
                 <a:cs typeface="Times New Roman" panose="02020603050405020304" pitchFamily="18" charset="0"/>
               </a:rPr>
               <a:t> </a:t>
             </a:r>
             <a:r>
-              <a:rPr kumimoji="1" lang="en-US" altLang="zh-CN" b="1" dirty="0">
+              <a:rPr kumimoji="1" lang="en-US" altLang="zh-CN" sz="1802" b="1" dirty="0">
                 <a:latin typeface="Times New Roman" panose="02020603050405020304" pitchFamily="18" charset="0"/>
                 <a:cs typeface="Times New Roman" panose="02020603050405020304" pitchFamily="18" charset="0"/>
               </a:rPr>
               <a:t>Define</a:t>
             </a:r>
             <a:r>
-              <a:rPr kumimoji="1" lang="zh-CN" altLang="en-US" b="1" dirty="0">
+              <a:rPr kumimoji="1" lang="zh-CN" altLang="en-US" sz="1802" b="1" dirty="0">
                 <a:latin typeface="Times New Roman" panose="02020603050405020304" pitchFamily="18" charset="0"/>
                 <a:cs typeface="Times New Roman" panose="02020603050405020304" pitchFamily="18" charset="0"/>
               </a:rPr>
               <a:t> </a:t>
             </a:r>
             <a:r>
-              <a:rPr kumimoji="1" lang="en-US" altLang="zh-CN" b="1" dirty="0">
+              <a:rPr kumimoji="1" lang="en-US" altLang="zh-CN" sz="1802" b="1" dirty="0">
                 <a:latin typeface="Times New Roman" panose="02020603050405020304" pitchFamily="18" charset="0"/>
                 <a:cs typeface="Times New Roman" panose="02020603050405020304" pitchFamily="18" charset="0"/>
               </a:rPr>
               <a:t>Surface</a:t>
             </a:r>
             <a:r>
-              <a:rPr kumimoji="1" lang="zh-CN" altLang="en-US" b="1" dirty="0">
+              <a:rPr kumimoji="1" lang="zh-CN" altLang="en-US" sz="1802" b="1" dirty="0">
                 <a:latin typeface="Times New Roman" panose="02020603050405020304" pitchFamily="18" charset="0"/>
                 <a:cs typeface="Times New Roman" panose="02020603050405020304" pitchFamily="18" charset="0"/>
               </a:rPr>
               <a:t> </a:t>
             </a:r>
             <a:r>
-              <a:rPr kumimoji="1" lang="en-US" altLang="zh-CN" b="1" dirty="0">
+              <a:rPr kumimoji="1" lang="en-US" altLang="zh-CN" sz="1802" b="1" dirty="0">
                 <a:latin typeface="Times New Roman" panose="02020603050405020304" pitchFamily="18" charset="0"/>
                 <a:cs typeface="Times New Roman" panose="02020603050405020304" pitchFamily="18" charset="0"/>
               </a:rPr>
               <a:t>and</a:t>
             </a:r>
             <a:r>
-              <a:rPr kumimoji="1" lang="zh-CN" altLang="en-US" b="1" dirty="0">
+              <a:rPr kumimoji="1" lang="zh-CN" altLang="en-US" sz="1802" b="1" dirty="0">
                 <a:latin typeface="Times New Roman" panose="02020603050405020304" pitchFamily="18" charset="0"/>
                 <a:cs typeface="Times New Roman" panose="02020603050405020304" pitchFamily="18" charset="0"/>
               </a:rPr>
               <a:t> </a:t>
             </a:r>
             <a:r>
-              <a:rPr kumimoji="1" lang="en-US" altLang="zh-CN" b="1" dirty="0">
+              <a:rPr kumimoji="1" lang="en-US" altLang="zh-CN" sz="1802" b="1" dirty="0">
                 <a:latin typeface="Times New Roman" panose="02020603050405020304" pitchFamily="18" charset="0"/>
                 <a:cs typeface="Times New Roman" panose="02020603050405020304" pitchFamily="18" charset="0"/>
               </a:rPr>
               <a:t>Mesh</a:t>
             </a:r>
-            <a:endParaRPr kumimoji="1" lang="zh-CN" altLang="en-US" b="1" dirty="0">
+            <a:endParaRPr kumimoji="1" lang="zh-CN" altLang="en-US" sz="1802" b="1" dirty="0">
               <a:latin typeface="Times New Roman" panose="02020603050405020304" pitchFamily="18" charset="0"/>
               <a:cs typeface="Times New Roman" panose="02020603050405020304" pitchFamily="18" charset="0"/>
             </a:endParaRPr>
@@ -3710,7 +3360,7 @@
 <file path=ppt/theme/theme1.xml><?xml version="1.0" encoding="utf-8"?>
 <a:theme xmlns:a="http://schemas.openxmlformats.org/drawingml/2006/main" name="Office 主题​​">
   <a:themeElements>
-    <a:clrScheme name="Office">
+    <a:clrScheme name="Office 主题​​">
       <a:dk1>
         <a:sysClr val="windowText" lastClr="000000"/>
       </a:dk1>
@@ -3748,9 +3398,9 @@
         <a:srgbClr val="954F72"/>
       </a:folHlink>
     </a:clrScheme>
-    <a:fontScheme name="Office">
+    <a:fontScheme name="Office 主题​​">
       <a:majorFont>
-        <a:latin typeface="等线 Light" panose="020F0302020204030204"/>
+        <a:latin typeface="Calibri Light" panose="020F0302020204030204"/>
         <a:ea typeface=""/>
         <a:cs typeface=""/>
         <a:font script="Jpan" typeface="游ゴシック Light"/>
@@ -3783,26 +3433,9 @@
         <a:font script="Viet" typeface="Times New Roman"/>
         <a:font script="Uigh" typeface="Microsoft Uighur"/>
         <a:font script="Geor" typeface="Sylfaen"/>
-        <a:font script="Armn" typeface="Arial"/>
-        <a:font script="Bugi" typeface="Leelawadee UI"/>
-        <a:font script="Bopo" typeface="Microsoft JhengHei"/>
-        <a:font script="Java" typeface="Javanese Text"/>
-        <a:font script="Lisu" typeface="Segoe UI"/>
-        <a:font script="Mymr" typeface="Myanmar Text"/>
-        <a:font script="Nkoo" typeface="Ebrima"/>
-        <a:font script="Olck" typeface="Nirmala UI"/>
-        <a:font script="Osma" typeface="Ebrima"/>
-        <a:font script="Phag" typeface="Phagspa"/>
-        <a:font script="Syrn" typeface="Estrangelo Edessa"/>
-        <a:font script="Syrj" typeface="Estrangelo Edessa"/>
-        <a:font script="Syre" typeface="Estrangelo Edessa"/>
-        <a:font script="Sora" typeface="Nirmala UI"/>
-        <a:font script="Tale" typeface="Microsoft Tai Le"/>
-        <a:font script="Talu" typeface="Microsoft New Tai Lue"/>
-        <a:font script="Tfng" typeface="Ebrima"/>
       </a:majorFont>
       <a:minorFont>
-        <a:latin typeface="等线" panose="020F0502020204030204"/>
+        <a:latin typeface="Calibri" panose="020F0502020204030204"/>
         <a:ea typeface=""/>
         <a:cs typeface=""/>
         <a:font script="Jpan" typeface="游ゴシック"/>
@@ -3835,26 +3468,9 @@
         <a:font script="Viet" typeface="Arial"/>
         <a:font script="Uigh" typeface="Microsoft Uighur"/>
         <a:font script="Geor" typeface="Sylfaen"/>
-        <a:font script="Armn" typeface="Arial"/>
-        <a:font script="Bugi" typeface="Leelawadee UI"/>
-        <a:font script="Bopo" typeface="Microsoft JhengHei"/>
-        <a:font script="Java" typeface="Javanese Text"/>
-        <a:font script="Lisu" typeface="Segoe UI"/>
-        <a:font script="Mymr" typeface="Myanmar Text"/>
-        <a:font script="Nkoo" typeface="Ebrima"/>
-        <a:font script="Olck" typeface="Nirmala UI"/>
-        <a:font script="Osma" typeface="Ebrima"/>
-        <a:font script="Phag" typeface="Phagspa"/>
-        <a:font script="Syrn" typeface="Estrangelo Edessa"/>
-        <a:font script="Syrj" typeface="Estrangelo Edessa"/>
-        <a:font script="Syre" typeface="Estrangelo Edessa"/>
-        <a:font script="Sora" typeface="Nirmala UI"/>
-        <a:font script="Tale" typeface="Microsoft Tai Le"/>
-        <a:font script="Talu" typeface="Microsoft New Tai Lue"/>
-        <a:font script="Tfng" typeface="Ebrima"/>
       </a:minorFont>
     </a:fontScheme>
-    <a:fmtScheme name="Office">
+    <a:fmtScheme name="Office 主题​​">
       <a:fillStyleLst>
         <a:solidFill>
           <a:schemeClr val="phClr"/>
@@ -3996,7 +3612,7 @@
   <a:extraClrSchemeLst/>
   <a:extLst>
     <a:ext uri="{05A4C25C-085E-4340-85A3-A5531E510DB2}">
-      <thm15:themeFamily xmlns:thm15="http://schemas.microsoft.com/office/thememl/2012/main" name="Office Theme" id="{62F939B6-93AF-4DB8-9C6B-D6C7DFDC589F}" vid="{4A3C46E8-61CC-4603-A589-7422A47A8E4A}"/>
+      <thm15:themeFamily xmlns:thm15="http://schemas.microsoft.com/office/thememl/2012/main" name="Office Theme 2013 - 2022" id="{62F939B6-93AF-4DB8-9C6B-D6C7DFDC589F}" vid="{4A3C46E8-61CC-4603-A589-7422A47A8E4A}"/>
     </a:ext>
   </a:extLst>
 </a:theme>
